--- a/课程PPT/（02）H5 Canvas图形绘制.pptx
+++ b/课程PPT/（02）H5 Canvas图形绘制.pptx
@@ -27425,7 +27425,7 @@
               <a:t>（剪切区域）</a:t>
             </a:r>
             <a:br>
-              <a:rPr lang="en-US" altLang="zh-CN" sz="2800" dirty="0" smtClean="0">
+              <a:rPr lang="zh-CN" altLang="en-US" sz="2800" dirty="0" smtClean="0">
                 <a:solidFill>
                   <a:srgbClr val="000000"/>
                 </a:solidFill>
@@ -27433,18 +27433,28 @@
               </a:rPr>
             </a:br>
             <a:r>
+              <a:rPr lang="en-US" altLang="zh-CN" sz="2000" dirty="0" smtClean="0">
+                <a:solidFill>
+                  <a:srgbClr val="000000"/>
+                </a:solidFill>
+                <a:sym typeface="+mn-ea"/>
+              </a:rPr>
+              <a:t>- </a:t>
+            </a:r>
+            <a:r>
               <a:rPr lang="zh-CN" altLang="en-US" sz="2000" dirty="0" smtClean="0">
                 <a:solidFill>
                   <a:srgbClr val="000000"/>
                 </a:solidFill>
                 <a:sym typeface="+mn-ea"/>
               </a:rPr>
-              <a:t>－</a:t>
-            </a:r>
-            <a:endParaRPr lang="en-US" altLang="zh-CN" sz="2000" kern="1200" dirty="0" smtClean="0">
+              <a:t>剪切后，绘制将限定在剪切区域</a:t>
+            </a:r>
+            <a:endParaRPr lang="zh-CN" altLang="en-US" sz="2000" kern="1200" dirty="0" smtClean="0">
               <a:solidFill>
                 <a:srgbClr val="000000"/>
               </a:solidFill>
+              <a:sym typeface="+mn-ea"/>
             </a:endParaRPr>
           </a:p>
           <a:p>
@@ -27465,19 +27475,19 @@
               <a:t>剪切与状态的关系</a:t>
             </a:r>
             <a:br>
-              <a:rPr lang="en-US" altLang="zh-CN" sz="2800" kern="1200" dirty="0" smtClean="0">
+              <a:rPr lang="zh-CN" altLang="en-US" sz="2800" kern="1200" dirty="0" smtClean="0">
                 <a:solidFill>
                   <a:srgbClr val="000000"/>
                 </a:solidFill>
               </a:rPr>
             </a:br>
             <a:r>
-              <a:rPr lang="zh-CN" altLang="en-US" sz="2000" kern="1200" dirty="0" smtClean="0">
+              <a:rPr lang="en-US" altLang="zh-CN" sz="2000" kern="1200" dirty="0" smtClean="0">
                 <a:solidFill>
                   <a:srgbClr val="000000"/>
                 </a:solidFill>
               </a:rPr>
-              <a:t>－</a:t>
+              <a:t>- </a:t>
             </a:r>
             <a:endParaRPr lang="en-US" altLang="zh-CN" sz="2000" kern="1200" dirty="0" smtClean="0">
               <a:solidFill>
@@ -27500,27 +27510,22 @@
                   <a:srgbClr val="000000"/>
                 </a:solidFill>
               </a:rPr>
-              <a:t>非零环绕原则填充</a:t>
-            </a:r>
-            <a:br>
-              <a:rPr lang="en-US" altLang="zh-CN" sz="2800" kern="1200" dirty="0">
+              <a:t>非零环绕</a:t>
+            </a:r>
+            <a:r>
+              <a:rPr lang="zh-CN" altLang="en-US" sz="2800" kern="1200" dirty="0" smtClean="0">
                 <a:solidFill>
                   <a:srgbClr val="000000"/>
                 </a:solidFill>
-              </a:rPr>
-            </a:br>
-            <a:r>
-              <a:rPr lang="zh-CN" altLang="en-US" sz="2000" kern="1200" dirty="0" smtClean="0">
-                <a:solidFill>
-                  <a:srgbClr val="000000"/>
-                </a:solidFill>
-              </a:rPr>
-              <a:t>－</a:t>
-            </a:r>
-            <a:endParaRPr lang="en-US" altLang="zh-CN" sz="2000" kern="1200" dirty="0">
+                <a:sym typeface="+mn-ea"/>
+              </a:rPr>
+              <a:t>原则</a:t>
+            </a:r>
+            <a:endParaRPr lang="zh-CN" altLang="en-US" sz="2800" kern="1200" dirty="0" smtClean="0">
               <a:solidFill>
                 <a:srgbClr val="000000"/>
               </a:solidFill>
+              <a:sym typeface="+mn-ea"/>
             </a:endParaRPr>
           </a:p>
         </p:txBody>
@@ -28300,45 +28305,90 @@
               </a:rPr>
             </a:br>
             <a:r>
-              <a:rPr lang="zh-CN" altLang="en-US" sz="2000" dirty="0" smtClean="0">
+              <a:rPr lang="en-US" altLang="zh-CN" sz="2000" kern="1200" dirty="0" err="1" smtClean="0">
+                <a:solidFill>
+                  <a:srgbClr val="565656"/>
+                </a:solidFill>
+                <a:sym typeface="+mn-ea"/>
+              </a:rPr>
+              <a:t>- </a:t>
+            </a:r>
+            <a:r>
+              <a:rPr lang="en-US" altLang="zh-CN" sz="2000" kern="1200" dirty="0" err="1" smtClean="0">
+                <a:solidFill>
+                  <a:srgbClr val="565656"/>
+                </a:solidFill>
+              </a:rPr>
+              <a:t>context.isPointInPath</a:t>
+            </a:r>
+            <a:r>
+              <a:rPr lang="en-US" altLang="zh-CN" sz="2000" kern="1200" dirty="0">
+                <a:solidFill>
+                  <a:srgbClr val="565656"/>
+                </a:solidFill>
+              </a:rPr>
+              <a:t>( x , y </a:t>
+            </a:r>
+            <a:r>
+              <a:rPr lang="en-US" altLang="zh-CN" sz="2000" kern="1200" dirty="0" smtClean="0">
+                <a:solidFill>
+                  <a:srgbClr val="565656"/>
+                </a:solidFill>
+              </a:rPr>
+              <a:t>)</a:t>
+            </a:r>
+            <a:r>
+              <a:rPr lang="zh-CN" altLang="zh-CN" sz="2000" kern="1200" dirty="0">
                 <a:solidFill>
                   <a:srgbClr val="000000"/>
                 </a:solidFill>
-                <a:sym typeface="+mn-ea"/>
-              </a:rPr>
-              <a:t>－</a:t>
-            </a:r>
-            <a:r>
-              <a:rPr lang="en-US" altLang="zh-CN" sz="2000" kern="1200" dirty="0" err="1" smtClean="0">
-                <a:solidFill>
-                  <a:srgbClr val="565656"/>
-                </a:solidFill>
-              </a:rPr>
-              <a:t>context.isPointInPath</a:t>
-            </a:r>
+              </a:rPr>
+              <a:t>；</a:t>
+            </a:r>
+            <a:br>
+              <a:rPr lang="zh-CN" altLang="zh-CN" sz="2000" kern="1200" dirty="0">
+                <a:solidFill>
+                  <a:srgbClr val="000000"/>
+                </a:solidFill>
+              </a:rPr>
+            </a:br>
             <a:r>
               <a:rPr lang="en-US" altLang="zh-CN" sz="2000" kern="1200" dirty="0">
                 <a:solidFill>
-                  <a:srgbClr val="565656"/>
-                </a:solidFill>
-              </a:rPr>
-              <a:t>( x , y </a:t>
-            </a:r>
-            <a:r>
-              <a:rPr lang="en-US" altLang="zh-CN" sz="2000" kern="1200" dirty="0" smtClean="0">
-                <a:solidFill>
-                  <a:srgbClr val="565656"/>
-                </a:solidFill>
-              </a:rPr>
-              <a:t>)</a:t>
-            </a:r>
-            <a:r>
-              <a:rPr lang="zh-CN" altLang="zh-CN" sz="2000" kern="1200" dirty="0">
-                <a:solidFill>
                   <a:srgbClr val="000000"/>
                 </a:solidFill>
               </a:rPr>
-              <a:t>；</a:t>
+              <a:t>- //鼠标点击的位置，注意坐标补偿</a:t>
+            </a:r>
+            <a:br>
+              <a:rPr lang="en-US" altLang="zh-CN" sz="2000" kern="1200" dirty="0">
+                <a:solidFill>
+                  <a:srgbClr val="000000"/>
+                </a:solidFill>
+              </a:rPr>
+            </a:br>
+            <a:r>
+              <a:rPr lang="en-US" altLang="zh-CN" sz="2000" kern="1200" dirty="0">
+                <a:solidFill>
+                  <a:srgbClr val="000000"/>
+                </a:solidFill>
+              </a:rPr>
+              <a:t>- var x = e.clientX - theCanvas.getBoundingClientRect().left;</a:t>
+            </a:r>
+            <a:br>
+              <a:rPr lang="en-US" altLang="zh-CN" sz="2000" kern="1200" dirty="0">
+                <a:solidFill>
+                  <a:srgbClr val="000000"/>
+                </a:solidFill>
+              </a:rPr>
+            </a:br>
+            <a:r>
+              <a:rPr lang="en-US" altLang="zh-CN" sz="2000" kern="1200" dirty="0">
+                <a:solidFill>
+                  <a:srgbClr val="000000"/>
+                </a:solidFill>
+              </a:rPr>
+              <a:t>- var y = e.clientY - theCanvas.getBoundingClientRect().top;</a:t>
             </a:r>
             <a:endParaRPr lang="en-US" altLang="zh-CN" sz="2000" kern="1200" dirty="0">
               <a:solidFill>

--- a/课程PPT/（02）H5 Canvas图形绘制.pptx
+++ b/课程PPT/（02）H5 Canvas图形绘制.pptx
@@ -15241,7 +15241,25 @@
                 </a:solidFill>
                 <a:sym typeface="+mn-ea"/>
               </a:rPr>
-              <a:t>渐变色（线性渐变、径向渐变）</a:t>
+              <a:t>渐变色（</a:t>
+            </a:r>
+            <a:r>
+              <a:rPr lang="zh-CN" altLang="en-US" sz="2000" dirty="0">
+                <a:solidFill>
+                  <a:srgbClr val="FF0000"/>
+                </a:solidFill>
+                <a:sym typeface="+mn-ea"/>
+              </a:rPr>
+              <a:t>线性渐变、径向渐变</a:t>
+            </a:r>
+            <a:r>
+              <a:rPr lang="zh-CN" altLang="en-US" sz="2000" dirty="0">
+                <a:solidFill>
+                  <a:schemeClr val="tx1"/>
+                </a:solidFill>
+                <a:sym typeface="+mn-ea"/>
+              </a:rPr>
+              <a:t>）</a:t>
             </a:r>
             <a:br>
               <a:rPr lang="zh-CN" altLang="en-US" sz="2000" dirty="0">
@@ -15281,7 +15299,7 @@
             <a:r>
               <a:rPr lang="en-US" altLang="zh-CN" sz="2000" dirty="0" smtClean="0">
                 <a:solidFill>
-                  <a:schemeClr val="tx1"/>
+                  <a:srgbClr val="FF0000"/>
                 </a:solidFill>
                 <a:sym typeface="+mn-ea"/>
               </a:rPr>
@@ -15290,20 +15308,11 @@
             <a:r>
               <a:rPr lang="zh-CN" altLang="en-US" sz="2000" dirty="0" smtClean="0">
                 <a:solidFill>
-                  <a:schemeClr val="tx1"/>
-                </a:solidFill>
-                <a:sym typeface="+mn-ea"/>
-              </a:rPr>
-              <a:t>元素节点、</a:t>
-            </a:r>
-            <a:r>
-              <a:rPr lang="en-US" altLang="zh-CN" sz="2000" dirty="0" smtClean="0">
-                <a:solidFill>
-                  <a:schemeClr val="tx1"/>
-                </a:solidFill>
-                <a:sym typeface="+mn-ea"/>
-              </a:rPr>
-              <a:t>Canvas</a:t>
+                  <a:srgbClr val="FF0000"/>
+                </a:solidFill>
+                <a:sym typeface="+mn-ea"/>
+              </a:rPr>
+              <a:t>元素节点</a:t>
             </a:r>
             <a:r>
               <a:rPr lang="zh-CN" altLang="en-US" sz="2000" dirty="0" smtClean="0">
@@ -15312,7 +15321,7 @@
                 </a:solidFill>
                 <a:sym typeface="+mn-ea"/>
               </a:rPr>
-              <a:t>上下文）</a:t>
+              <a:t>）</a:t>
             </a:r>
             <a:endParaRPr lang="zh-CN" altLang="en-US" sz="2000" dirty="0">
               <a:solidFill>

--- a/课程PPT/（02）H5 Canvas图形绘制.pptx
+++ b/课程PPT/（02）H5 Canvas图形绘制.pptx
@@ -20883,6 +20883,68 @@
           </a:p>
         </p:txBody>
       </p:sp>
+      <p:sp>
+        <p:nvSpPr>
+          <p:cNvPr id="5" name="文本框 4"/>
+          <p:cNvSpPr txBox="1"/>
+          <p:nvPr/>
+        </p:nvSpPr>
+        <p:spPr>
+          <a:xfrm>
+            <a:off x="4859020" y="6075045"/>
+            <a:ext cx="7037070" cy="429895"/>
+          </a:xfrm>
+          <a:prstGeom prst="rect">
+            <a:avLst/>
+          </a:prstGeom>
+          <a:noFill/>
+        </p:spPr>
+        <p:txBody>
+          <a:bodyPr wrap="square" rtlCol="0">
+            <a:spAutoFit/>
+          </a:bodyPr>
+          <a:p>
+            <a:pPr algn="l"/>
+            <a:r>
+              <a:rPr lang="zh-CN" altLang="en-US" sz="2200">
+                <a:solidFill>
+                  <a:srgbClr val="FF0000"/>
+                </a:solidFill>
+                <a:latin typeface="+mn-ea"/>
+                <a:ea typeface="+mn-ea"/>
+              </a:rPr>
+              <a:t>思考：动态修改</a:t>
+            </a:r>
+            <a:r>
+              <a:rPr lang="en-US" altLang="zh-CN" sz="2200">
+                <a:solidFill>
+                  <a:srgbClr val="FF0000"/>
+                </a:solidFill>
+                <a:latin typeface="+mn-ea"/>
+                <a:ea typeface="+mn-ea"/>
+              </a:rPr>
+              <a:t>canvas</a:t>
+            </a:r>
+            <a:r>
+              <a:rPr lang="zh-CN" altLang="en-US" sz="2200">
+                <a:solidFill>
+                  <a:srgbClr val="FF0000"/>
+                </a:solidFill>
+                <a:latin typeface="+mn-ea"/>
+                <a:ea typeface="+mn-ea"/>
+              </a:rPr>
+              <a:t>宽高，会影响画布里的内容么？</a:t>
+            </a:r>
+            <a:endParaRPr lang="zh-CN" altLang="en-US" sz="2200">
+              <a:solidFill>
+                <a:srgbClr val="FF0000"/>
+              </a:solidFill>
+              <a:latin typeface="+mn-ea"/>
+              <a:ea typeface="+mn-ea"/>
+            </a:endParaRPr>
+          </a:p>
+        </p:txBody>
+      </p:sp>
     </p:spTree>
   </p:cSld>
   <p:clrMapOvr>
@@ -21202,6 +21264,88 @@
                             </p:childTnLst>
                           </p:cTn>
                         </p:par>
+                        <p:par>
+                          <p:cTn id="21" fill="hold">
+                            <p:stCondLst>
+                              <p:cond delay="500"/>
+                            </p:stCondLst>
+                            <p:childTnLst>
+                              <p:par>
+                                <p:cTn id="22" presetID="2" presetClass="entr" presetSubtype="4" fill="hold" grpId="0" nodeType="afterEffect">
+                                  <p:stCondLst>
+                                    <p:cond delay="0"/>
+                                  </p:stCondLst>
+                                  <p:childTnLst>
+                                    <p:set>
+                                      <p:cBhvr>
+                                        <p:cTn id="23" dur="1" fill="hold">
+                                          <p:stCondLst>
+                                            <p:cond delay="0"/>
+                                          </p:stCondLst>
+                                        </p:cTn>
+                                        <p:tgtEl>
+                                          <p:spTgt spid="5"/>
+                                        </p:tgtEl>
+                                        <p:attrNameLst>
+                                          <p:attrName>style.visibility</p:attrName>
+                                        </p:attrNameLst>
+                                      </p:cBhvr>
+                                      <p:to>
+                                        <p:strVal val="visible"/>
+                                      </p:to>
+                                    </p:set>
+                                    <p:anim calcmode="lin" valueType="num">
+                                      <p:cBhvr additive="base">
+                                        <p:cTn id="24" dur="500" fill="hold"/>
+                                        <p:tgtEl>
+                                          <p:spTgt spid="5"/>
+                                        </p:tgtEl>
+                                        <p:attrNameLst>
+                                          <p:attrName>ppt_x</p:attrName>
+                                        </p:attrNameLst>
+                                      </p:cBhvr>
+                                      <p:tavLst>
+                                        <p:tav tm="0">
+                                          <p:val>
+                                            <p:strVal val="#ppt_x"/>
+                                          </p:val>
+                                        </p:tav>
+                                        <p:tav tm="100000">
+                                          <p:val>
+                                            <p:strVal val="#ppt_x"/>
+                                          </p:val>
+                                        </p:tav>
+                                      </p:tavLst>
+                                    </p:anim>
+                                    <p:anim calcmode="lin" valueType="num">
+                                      <p:cBhvr additive="base">
+                                        <p:cTn id="25" dur="500" fill="hold"/>
+                                        <p:tgtEl>
+                                          <p:spTgt spid="5"/>
+                                        </p:tgtEl>
+                                        <p:attrNameLst>
+                                          <p:attrName>ppt_y</p:attrName>
+                                        </p:attrNameLst>
+                                      </p:cBhvr>
+                                      <p:tavLst>
+                                        <p:tav tm="0">
+                                          <p:val>
+                                            <p:strVal val="1+#ppt_h/2"/>
+                                          </p:val>
+                                        </p:tav>
+                                        <p:tav tm="100000">
+                                          <p:val>
+                                            <p:strVal val="#ppt_y"/>
+                                          </p:val>
+                                        </p:tav>
+                                      </p:tavLst>
+                                    </p:anim>
+                                  </p:childTnLst>
+                                </p:cTn>
+                              </p:par>
+                            </p:childTnLst>
+                          </p:cTn>
+                        </p:par>
                       </p:childTnLst>
                     </p:cTn>
                   </p:par>
@@ -21226,6 +21370,9 @@
         </p:cTn>
       </p:par>
     </p:tnLst>
+    <p:bldLst>
+      <p:bldP spid="5" grpId="0"/>
+    </p:bldLst>
   </p:timing>
 </p:sld>
 </file>

--- a/课程PPT/（02）H5 Canvas图形绘制.pptx
+++ b/课程PPT/（02）H5 Canvas图形绘制.pptx
@@ -15517,22 +15517,13 @@
               <a:t>、 </a:t>
             </a:r>
             <a:r>
-              <a:rPr lang="en-US" altLang="zh-CN" sz="2000" dirty="0" err="1">
-                <a:solidFill>
-                  <a:schemeClr val="tx1"/>
-                </a:solidFill>
-                <a:sym typeface="+mn-ea"/>
-              </a:rPr>
-              <a:t>hsla</a:t>
-            </a:r>
-            <a:r>
               <a:rPr lang="en-US" altLang="zh-CN" sz="2000" dirty="0">
                 <a:solidFill>
                   <a:schemeClr val="tx1"/>
                 </a:solidFill>
                 <a:sym typeface="+mn-ea"/>
               </a:rPr>
-              <a:t>( 40 , 82% , 33% , 0.6 )</a:t>
+              <a:t> H: Hue 色相   S：Saturation 饱和度  L Lightness 明度</a:t>
             </a:r>
             <a:br>
               <a:rPr lang="en-US" altLang="zh-CN" sz="2000" dirty="0">

--- a/课程PPT/（02）H5 Canvas图形绘制.pptx
+++ b/课程PPT/（02）H5 Canvas图形绘制.pptx
@@ -27503,7 +27503,7 @@
                 </a:solidFill>
                 <a:sym typeface="+mn-ea"/>
               </a:rPr>
-              <a:t>剪切方法</a:t>
+              <a:t>剪切方法与剪切路径</a:t>
             </a:r>
             <a:br>
               <a:rPr lang="zh-CN" altLang="en-US" sz="2800" dirty="0" smtClean="0">
@@ -27520,7 +27520,7 @@
                 </a:solidFill>
                 <a:sym typeface="+mn-ea"/>
               </a:rPr>
-              <a:t>－</a:t>
+              <a:t>－绘制路径后使用</a:t>
             </a:r>
             <a:r>
               <a:rPr lang="en-US" altLang="zh-CN" sz="2000" kern="1200" dirty="0" err="1" smtClean="0">
@@ -27538,38 +27538,13 @@
               </a:rPr>
               <a:t>( )</a:t>
             </a:r>
-            <a:endParaRPr lang="en-US" altLang="zh-CN" sz="2000" kern="1200" dirty="0">
-              <a:solidFill>
-                <a:srgbClr val="000000"/>
-              </a:solidFill>
-            </a:endParaRPr>
-          </a:p>
-          <a:p>
-            <a:pPr lvl="0">
-              <a:lnSpc>
-                <a:spcPct val="150000"/>
-              </a:lnSpc>
-              <a:spcBef>
-                <a:spcPts val="1000"/>
-              </a:spcBef>
-            </a:pPr>
-            <a:r>
-              <a:rPr lang="zh-CN" altLang="en-US" sz="2800" kern="1200" dirty="0" smtClean="0">
+            <a:r>
+              <a:rPr lang="zh-CN" altLang="en-US" sz="2000" kern="1200" dirty="0" smtClean="0">
                 <a:solidFill>
                   <a:srgbClr val="000000"/>
                 </a:solidFill>
-                <a:sym typeface="+mn-ea"/>
-              </a:rPr>
-              <a:t>剪切与路径</a:t>
-            </a:r>
-            <a:r>
-              <a:rPr lang="zh-CN" altLang="en-US" sz="2800" dirty="0" smtClean="0">
-                <a:solidFill>
-                  <a:srgbClr val="000000"/>
-                </a:solidFill>
-                <a:sym typeface="+mn-ea"/>
-              </a:rPr>
-              <a:t>（剪切区域）</a:t>
+              </a:rPr>
+              <a:t>剪切</a:t>
             </a:r>
             <a:br>
               <a:rPr lang="zh-CN" altLang="en-US" sz="2800" dirty="0" smtClean="0">
@@ -27591,11 +27566,20 @@
             <a:r>
               <a:rPr lang="zh-CN" altLang="en-US" sz="2000" dirty="0" smtClean="0">
                 <a:solidFill>
+                  <a:schemeClr val="accent3"/>
+                </a:solidFill>
+                <a:sym typeface="+mn-ea"/>
+              </a:rPr>
+              <a:t>剪切后</a:t>
+            </a:r>
+            <a:r>
+              <a:rPr lang="zh-CN" altLang="en-US" sz="2000" dirty="0" smtClean="0">
+                <a:solidFill>
                   <a:srgbClr val="000000"/>
                 </a:solidFill>
                 <a:sym typeface="+mn-ea"/>
               </a:rPr>
-              <a:t>剪切后，绘制将限定在剪切区域</a:t>
+              <a:t>，新绘制的图形将限定在此剪切区域</a:t>
             </a:r>
             <a:endParaRPr lang="zh-CN" altLang="en-US" sz="2000" kern="1200" dirty="0" smtClean="0">
               <a:solidFill>
@@ -27636,7 +27620,101 @@
               </a:rPr>
               <a:t>- </a:t>
             </a:r>
-            <a:endParaRPr lang="en-US" altLang="zh-CN" sz="2000" kern="1200" dirty="0" smtClean="0">
+            <a:r>
+              <a:rPr lang="zh-CN" altLang="en-US" sz="2000" kern="1200" dirty="0" smtClean="0">
+                <a:solidFill>
+                  <a:srgbClr val="000000"/>
+                </a:solidFill>
+              </a:rPr>
+              <a:t>有时</a:t>
+            </a:r>
+            <a:r>
+              <a:rPr lang="en-US" altLang="zh-CN" sz="2000" kern="1200" dirty="0" smtClean="0">
+                <a:solidFill>
+                  <a:srgbClr val="000000"/>
+                </a:solidFill>
+              </a:rPr>
+              <a:t>可能需要取消或者新定义裁切区</a:t>
+            </a:r>
+            <a:br>
+              <a:rPr lang="en-US" altLang="zh-CN" sz="2000" kern="1200" dirty="0" smtClean="0">
+                <a:solidFill>
+                  <a:srgbClr val="000000"/>
+                </a:solidFill>
+              </a:rPr>
+            </a:br>
+            <a:r>
+              <a:rPr lang="en-US" altLang="zh-CN" sz="2000" kern="1200" dirty="0" smtClean="0">
+                <a:solidFill>
+                  <a:srgbClr val="000000"/>
+                </a:solidFill>
+              </a:rPr>
+              <a:t>- </a:t>
+            </a:r>
+            <a:r>
+              <a:rPr lang="zh-CN" altLang="en-US" sz="2000" kern="1200" dirty="0" smtClean="0">
+                <a:solidFill>
+                  <a:srgbClr val="000000"/>
+                </a:solidFill>
+              </a:rPr>
+              <a:t>构建剪切区前可先保存状态（</a:t>
+            </a:r>
+            <a:r>
+              <a:rPr lang="en-US" altLang="zh-CN" sz="2000" kern="1200" dirty="0" smtClean="0">
+                <a:solidFill>
+                  <a:srgbClr val="000000"/>
+                </a:solidFill>
+              </a:rPr>
+              <a:t>save</a:t>
+            </a:r>
+            <a:r>
+              <a:rPr lang="zh-CN" altLang="en-US" sz="2000" kern="1200" dirty="0" smtClean="0">
+                <a:solidFill>
+                  <a:srgbClr val="000000"/>
+                </a:solidFill>
+              </a:rPr>
+              <a:t>）</a:t>
+            </a:r>
+            <a:br>
+              <a:rPr lang="zh-CN" altLang="en-US" sz="2000" kern="1200" dirty="0" smtClean="0">
+                <a:solidFill>
+                  <a:srgbClr val="000000"/>
+                </a:solidFill>
+              </a:rPr>
+            </a:br>
+            <a:r>
+              <a:rPr lang="en-US" altLang="zh-CN" sz="2000" kern="1200" dirty="0" smtClean="0">
+                <a:solidFill>
+                  <a:srgbClr val="000000"/>
+                </a:solidFill>
+              </a:rPr>
+              <a:t>- </a:t>
+            </a:r>
+            <a:r>
+              <a:rPr lang="zh-CN" altLang="en-US" sz="2000" kern="1200" dirty="0" smtClean="0">
+                <a:solidFill>
+                  <a:srgbClr val="000000"/>
+                </a:solidFill>
+              </a:rPr>
+              <a:t>完成剪切区内的绘制后进行状态恢复（</a:t>
+            </a:r>
+            <a:r>
+              <a:rPr lang="en-US" altLang="zh-CN" sz="2000" kern="1200" dirty="0" smtClean="0">
+                <a:solidFill>
+                  <a:srgbClr val="000000"/>
+                </a:solidFill>
+              </a:rPr>
+              <a:t>restore</a:t>
+            </a:r>
+            <a:r>
+              <a:rPr lang="zh-CN" altLang="en-US" sz="2000" kern="1200" dirty="0" smtClean="0">
+                <a:solidFill>
+                  <a:srgbClr val="000000"/>
+                </a:solidFill>
+              </a:rPr>
+              <a:t>）</a:t>
+            </a:r>
+            <a:endParaRPr lang="zh-CN" altLang="en-US" sz="2000" kern="1200" dirty="0" smtClean="0">
               <a:solidFill>
                 <a:srgbClr val="000000"/>
               </a:solidFill>
@@ -27817,7 +27895,7 @@
         </p:blipFill>
         <p:spPr>
           <a:xfrm>
-            <a:off x="5421630" y="3524885"/>
+            <a:off x="6742430" y="3460750"/>
             <a:ext cx="4030345" cy="2251710"/>
           </a:xfrm>
           <a:prstGeom prst="rect">
@@ -27845,7 +27923,7 @@
         </p:blipFill>
         <p:spPr>
           <a:xfrm>
-            <a:off x="5565140" y="953770"/>
+            <a:off x="6835775" y="969010"/>
             <a:ext cx="3796665" cy="2416175"/>
           </a:xfrm>
           <a:prstGeom prst="rect">

--- a/课程PPT/（02）H5 Canvas图形绘制.pptx
+++ b/课程PPT/（02）H5 Canvas图形绘制.pptx
@@ -17854,6 +17854,15 @@
               <a:t>－</a:t>
             </a:r>
             <a:r>
+              <a:rPr lang="en-US" altLang="zh-CN" sz="2000" dirty="0" smtClean="0">
+                <a:solidFill>
+                  <a:schemeClr val="tx1"/>
+                </a:solidFill>
+                <a:sym typeface="+mn-ea"/>
+              </a:rPr>
+              <a:t>var pattern = </a:t>
+            </a:r>
+            <a:r>
               <a:rPr lang="en-US" altLang="zh-CN" sz="2000" dirty="0" err="1" smtClean="0">
                 <a:solidFill>
                   <a:schemeClr val="tx1"/>
@@ -17917,6 +17926,15 @@
                 <a:sym typeface="+mn-ea"/>
               </a:rPr>
               <a:t>－</a:t>
+            </a:r>
+            <a:r>
+              <a:rPr lang="en-US" altLang="zh-CN" sz="2000" dirty="0" smtClean="0">
+                <a:solidFill>
+                  <a:schemeClr val="tx1"/>
+                </a:solidFill>
+                <a:sym typeface="+mn-ea"/>
+              </a:rPr>
+              <a:t>var pattern  = </a:t>
             </a:r>
             <a:r>
               <a:rPr lang="en-US" altLang="zh-CN" sz="2000" dirty="0" err="1">
@@ -18034,7 +18052,25 @@
                 </a:solidFill>
                 <a:sym typeface="+mn-ea"/>
               </a:rPr>
-              <a:t>（不重复）</a:t>
+              <a:t>（不重复）  </a:t>
+            </a:r>
+            <a:r>
+              <a:rPr lang="en-US" altLang="zh-CN" sz="2000" dirty="0" smtClean="0">
+                <a:solidFill>
+                  <a:schemeClr val="tx1"/>
+                </a:solidFill>
+                <a:sym typeface="+mn-ea"/>
+              </a:rPr>
+              <a:t>repeat 						</a:t>
+            </a:r>
+            <a:r>
+              <a:rPr lang="zh-CN" altLang="en-US" sz="2000" dirty="0" smtClean="0">
+                <a:solidFill>
+                  <a:schemeClr val="tx1"/>
+                </a:solidFill>
+                <a:sym typeface="+mn-ea"/>
+              </a:rPr>
+              <a:t>（重复）</a:t>
             </a:r>
             <a:br>
               <a:rPr lang="en-US" altLang="zh-CN" sz="2000" dirty="0" smtClean="0">
@@ -18060,7 +18096,7 @@
                 </a:solidFill>
                 <a:sym typeface="+mn-ea"/>
               </a:rPr>
-              <a:t>repeat 						</a:t>
+              <a:t>repeat-x 			</a:t>
             </a:r>
             <a:r>
               <a:rPr lang="zh-CN" altLang="en-US" sz="2000" dirty="0" smtClean="0">
@@ -18069,16 +18105,17 @@
                 </a:solidFill>
                 <a:sym typeface="+mn-ea"/>
               </a:rPr>
-              <a:t>（重复）</a:t>
-            </a:r>
-            <a:br>
+              <a:t>（</a:t>
+            </a:r>
+            <a:r>
               <a:rPr lang="en-US" altLang="zh-CN" sz="2000" dirty="0" smtClean="0">
                 <a:solidFill>
                   <a:schemeClr val="tx1"/>
                 </a:solidFill>
                 <a:sym typeface="+mn-ea"/>
               </a:rPr>
-            </a:br>
+              <a:t>x </a:t>
+            </a:r>
             <a:r>
               <a:rPr lang="zh-CN" altLang="en-US" sz="2000" dirty="0" smtClean="0">
                 <a:solidFill>
@@ -18086,7 +18123,7 @@
                 </a:solidFill>
                 <a:sym typeface="+mn-ea"/>
               </a:rPr>
-              <a:t>－</a:t>
+              <a:t>轴重复）  </a:t>
             </a:r>
             <a:r>
               <a:rPr lang="en-US" altLang="zh-CN" sz="2000" dirty="0" smtClean="0">
@@ -18095,7 +18132,7 @@
                 </a:solidFill>
                 <a:sym typeface="+mn-ea"/>
               </a:rPr>
-              <a:t>repeat-x 			</a:t>
+              <a:t>repeat-y 			</a:t>
             </a:r>
             <a:r>
               <a:rPr lang="zh-CN" altLang="en-US" sz="2000" dirty="0" smtClean="0">
@@ -18113,7 +18150,7 @@
                 </a:solidFill>
                 <a:sym typeface="+mn-ea"/>
               </a:rPr>
-              <a:t>x</a:t>
+              <a:t>y </a:t>
             </a:r>
             <a:r>
               <a:rPr lang="zh-CN" altLang="en-US" sz="2000" dirty="0" smtClean="0">
@@ -18124,63 +18161,136 @@
               </a:rPr>
               <a:t>轴重复）</a:t>
             </a:r>
-            <a:br>
-              <a:rPr lang="en-US" altLang="zh-CN" sz="2000" dirty="0" smtClean="0">
-                <a:solidFill>
-                  <a:schemeClr val="tx1"/>
-                </a:solidFill>
-                <a:sym typeface="+mn-ea"/>
-              </a:rPr>
-            </a:br>
-            <a:r>
-              <a:rPr lang="zh-CN" altLang="en-US" sz="2000" dirty="0" smtClean="0">
-                <a:solidFill>
-                  <a:schemeClr val="tx1"/>
-                </a:solidFill>
-                <a:sym typeface="+mn-ea"/>
-              </a:rPr>
-              <a:t>－</a:t>
-            </a:r>
-            <a:r>
-              <a:rPr lang="en-US" altLang="zh-CN" sz="2000" dirty="0" smtClean="0">
-                <a:solidFill>
-                  <a:schemeClr val="tx1"/>
-                </a:solidFill>
-                <a:sym typeface="+mn-ea"/>
-              </a:rPr>
-              <a:t>repeat-y 			</a:t>
-            </a:r>
-            <a:r>
-              <a:rPr lang="zh-CN" altLang="en-US" sz="2000" dirty="0" smtClean="0">
-                <a:solidFill>
-                  <a:schemeClr val="tx1"/>
-                </a:solidFill>
-                <a:sym typeface="+mn-ea"/>
-              </a:rPr>
-              <a:t>（</a:t>
-            </a:r>
-            <a:r>
-              <a:rPr lang="en-US" altLang="zh-CN" sz="2000" dirty="0" smtClean="0">
-                <a:solidFill>
-                  <a:schemeClr val="tx1"/>
-                </a:solidFill>
-                <a:sym typeface="+mn-ea"/>
-              </a:rPr>
-              <a:t>y</a:t>
-            </a:r>
-            <a:r>
-              <a:rPr lang="zh-CN" altLang="en-US" sz="2000" dirty="0" smtClean="0">
-                <a:solidFill>
-                  <a:schemeClr val="tx1"/>
-                </a:solidFill>
-                <a:sym typeface="+mn-ea"/>
-              </a:rPr>
-              <a:t>轴重复）</a:t>
-            </a:r>
-            <a:endParaRPr lang="en-US" altLang="zh-CN" sz="2000" noProof="1" smtClean="0">
+            <a:endParaRPr lang="zh-CN" altLang="en-US" sz="2000" dirty="0" smtClean="0">
               <a:solidFill>
                 <a:schemeClr val="tx1"/>
               </a:solidFill>
+              <a:sym typeface="+mn-ea"/>
+            </a:endParaRPr>
+          </a:p>
+          <a:p>
+            <a:pPr>
+              <a:lnSpc>
+                <a:spcPct val="150000"/>
+              </a:lnSpc>
+              <a:spcBef>
+                <a:spcPts val="1000"/>
+              </a:spcBef>
+            </a:pPr>
+            <a:r>
+              <a:rPr lang="zh-CN" altLang="en-US" sz="2800" dirty="0" smtClean="0">
+                <a:solidFill>
+                  <a:schemeClr val="tx1"/>
+                </a:solidFill>
+                <a:sym typeface="+mn-ea"/>
+              </a:rPr>
+              <a:t>设置填充样式（图案）</a:t>
+            </a:r>
+            <a:br>
+              <a:rPr lang="zh-CN" altLang="en-US" sz="2800" dirty="0" smtClean="0">
+                <a:solidFill>
+                  <a:schemeClr val="tx1"/>
+                </a:solidFill>
+                <a:sym typeface="+mn-ea"/>
+              </a:rPr>
+            </a:br>
+            <a:r>
+              <a:rPr lang="en-US" altLang="zh-CN" sz="2000" dirty="0" smtClean="0">
+                <a:solidFill>
+                  <a:schemeClr val="tx1"/>
+                </a:solidFill>
+                <a:sym typeface="+mn-ea"/>
+              </a:rPr>
+              <a:t>- </a:t>
+            </a:r>
+            <a:r>
+              <a:rPr lang="en-US" altLang="zh-CN" sz="2000" noProof="0" dirty="0" smtClean="0">
+                <a:ln>
+                  <a:noFill/>
+                </a:ln>
+                <a:solidFill>
+                  <a:srgbClr val="000000"/>
+                </a:solidFill>
+                <a:effectLst/>
+                <a:uLnTx/>
+                <a:uFillTx/>
+                <a:sym typeface="+mn-ea"/>
+              </a:rPr>
+              <a:t>context.fillStyle = </a:t>
+            </a:r>
+            <a:r>
+              <a:rPr lang="en-US" altLang="zh-CN" sz="2000" dirty="0" smtClean="0">
+                <a:solidFill>
+                  <a:schemeClr val="tx1"/>
+                </a:solidFill>
+                <a:sym typeface="+mn-ea"/>
+              </a:rPr>
+              <a:t>pattern </a:t>
+            </a:r>
+            <a:r>
+              <a:rPr lang="en-US" altLang="zh-CN" sz="2000" noProof="0" dirty="0" smtClean="0">
+                <a:ln>
+                  <a:noFill/>
+                </a:ln>
+                <a:solidFill>
+                  <a:srgbClr val="000000"/>
+                </a:solidFill>
+                <a:effectLst/>
+                <a:uLnTx/>
+                <a:uFillTx/>
+                <a:sym typeface="+mn-ea"/>
+              </a:rPr>
+              <a:t>;</a:t>
+            </a:r>
+            <a:br>
+              <a:rPr lang="en-US" altLang="zh-CN" sz="2000" noProof="0" dirty="0" smtClean="0">
+                <a:ln>
+                  <a:noFill/>
+                </a:ln>
+                <a:solidFill>
+                  <a:srgbClr val="000000"/>
+                </a:solidFill>
+                <a:effectLst/>
+                <a:uLnTx/>
+                <a:uFillTx/>
+                <a:sym typeface="+mn-ea"/>
+              </a:rPr>
+            </a:br>
+            <a:r>
+              <a:rPr lang="en-US" altLang="zh-CN" sz="2000" noProof="0" dirty="0" smtClean="0">
+                <a:ln>
+                  <a:noFill/>
+                </a:ln>
+                <a:solidFill>
+                  <a:srgbClr val="000000"/>
+                </a:solidFill>
+                <a:effectLst/>
+                <a:uLnTx/>
+                <a:uFillTx/>
+                <a:sym typeface="+mn-ea"/>
+              </a:rPr>
+              <a:t>- context.strokeStyle = </a:t>
+            </a:r>
+            <a:r>
+              <a:rPr lang="en-US" altLang="zh-CN" sz="2000" dirty="0" smtClean="0">
+                <a:solidFill>
+                  <a:schemeClr val="tx1"/>
+                </a:solidFill>
+                <a:sym typeface="+mn-ea"/>
+              </a:rPr>
+              <a:t>pattern ;</a:t>
+            </a:r>
+            <a:endParaRPr lang="en-US" altLang="zh-CN" sz="2000" noProof="0" dirty="0" smtClean="0">
+              <a:ln>
+                <a:noFill/>
+              </a:ln>
+              <a:solidFill>
+                <a:srgbClr val="000000"/>
+              </a:solidFill>
+              <a:effectLst/>
+              <a:uLnTx/>
+              <a:uFillTx/>
+              <a:sym typeface="+mn-ea"/>
             </a:endParaRPr>
           </a:p>
           <a:p>
@@ -28560,15 +28670,7 @@
                   <a:srgbClr val="565656"/>
                 </a:solidFill>
               </a:rPr>
-              <a:t>)</a:t>
-            </a:r>
-            <a:r>
-              <a:rPr lang="zh-CN" altLang="zh-CN" sz="2000" kern="1200" dirty="0">
-                <a:solidFill>
-                  <a:srgbClr val="000000"/>
-                </a:solidFill>
-              </a:rPr>
-              <a:t>；</a:t>
+              <a:t>) ; </a:t>
             </a:r>
             <a:br>
               <a:rPr lang="zh-CN" altLang="zh-CN" sz="2000" kern="1200" dirty="0">
@@ -28583,6 +28685,28 @@
                   <a:srgbClr val="000000"/>
                 </a:solidFill>
               </a:rPr>
+              <a:t>- context.isPointInStroke( x , y ) ;</a:t>
+            </a:r>
+            <a:br>
+              <a:rPr lang="zh-CN" altLang="zh-CN" sz="2000" kern="1200" dirty="0">
+                <a:solidFill>
+                  <a:srgbClr val="000000"/>
+                </a:solidFill>
+              </a:rPr>
+            </a:br>
+            <a:br>
+              <a:rPr lang="zh-CN" altLang="zh-CN" sz="2000" kern="1200" dirty="0">
+                <a:solidFill>
+                  <a:srgbClr val="000000"/>
+                </a:solidFill>
+              </a:rPr>
+            </a:br>
+            <a:r>
+              <a:rPr lang="en-US" altLang="zh-CN" sz="2000" kern="1200" dirty="0">
+                <a:solidFill>
+                  <a:srgbClr val="000000"/>
+                </a:solidFill>
+              </a:rPr>
               <a:t>- //鼠标点击的位置，注意坐标补偿</a:t>
             </a:r>
             <a:br>
@@ -28615,6 +28739,20 @@
               </a:rPr>
               <a:t>- var y = e.clientY - theCanvas.getBoundingClientRect().top;</a:t>
             </a:r>
+            <a:br>
+              <a:rPr lang="en-US" altLang="zh-CN" sz="2000" kern="1200" dirty="0">
+                <a:solidFill>
+                  <a:srgbClr val="000000"/>
+                </a:solidFill>
+              </a:rPr>
+            </a:br>
+            <a:br>
+              <a:rPr lang="en-US" altLang="zh-CN" sz="2000" kern="1200" dirty="0">
+                <a:solidFill>
+                  <a:srgbClr val="000000"/>
+                </a:solidFill>
+              </a:rPr>
+            </a:br>
             <a:endParaRPr lang="en-US" altLang="zh-CN" sz="2000" kern="1200" dirty="0">
               <a:solidFill>
                 <a:srgbClr val="000000"/>

--- a/课程PPT/（02）H5 Canvas图形绘制.pptx
+++ b/课程PPT/（02）H5 Canvas图形绘制.pptx
@@ -2860,17 +2860,7 @@
               </a:rPr>
               <a:t>直线相关绘制</a:t>
             </a:r>
-            <a:br>
-              <a:rPr lang="zh-CN" altLang="en-US" sz="2800" noProof="1">
-                <a:solidFill>
-                  <a:schemeClr val="tx1"/>
-                </a:solidFill>
-                <a:latin typeface="微软雅黑" panose="020B0503020204020204" pitchFamily="34" charset="-122"/>
-                <a:ea typeface="微软雅黑" panose="020B0503020204020204" pitchFamily="34" charset="-122"/>
-                <a:sym typeface="+mn-ea"/>
-              </a:rPr>
-            </a:br>
-            <a:endParaRPr lang="en-US" altLang="zh-CN" sz="2000" noProof="1">
+            <a:endParaRPr lang="zh-CN" sz="2800" noProof="1">
               <a:solidFill>
                 <a:schemeClr val="tx1"/>
               </a:solidFill>
@@ -2888,12 +2878,13 @@
                 <a:spcPts val="1000"/>
               </a:spcBef>
             </a:pPr>
-            <a:endParaRPr lang="en-US" altLang="zh-CN" sz="2800" noProof="1">
+            <a:endParaRPr lang="zh-CN" altLang="en-US" sz="2900" noProof="1">
               <a:solidFill>
                 <a:schemeClr val="tx1"/>
               </a:solidFill>
               <a:latin typeface="微软雅黑" panose="020B0503020204020204" pitchFamily="34" charset="-122"/>
               <a:ea typeface="微软雅黑" panose="020B0503020204020204" pitchFamily="34" charset="-122"/>
+              <a:sym typeface="+mn-ea"/>
             </a:endParaRPr>
           </a:p>
           <a:p>
@@ -2905,6 +2896,93 @@
                 <a:spcPts val="1000"/>
               </a:spcBef>
             </a:pPr>
+            <a:endParaRPr lang="zh-CN" altLang="en-US" sz="2900" noProof="1">
+              <a:solidFill>
+                <a:schemeClr val="tx1"/>
+              </a:solidFill>
+              <a:latin typeface="微软雅黑" panose="020B0503020204020204" pitchFamily="34" charset="-122"/>
+              <a:ea typeface="微软雅黑" panose="020B0503020204020204" pitchFamily="34" charset="-122"/>
+              <a:sym typeface="+mn-ea"/>
+            </a:endParaRPr>
+          </a:p>
+          <a:p>
+            <a:pPr>
+              <a:lnSpc>
+                <a:spcPct val="150000"/>
+              </a:lnSpc>
+              <a:spcBef>
+                <a:spcPts val="1000"/>
+              </a:spcBef>
+            </a:pPr>
+            <a:endParaRPr lang="zh-CN" altLang="en-US" sz="2900" noProof="1">
+              <a:solidFill>
+                <a:schemeClr val="tx1"/>
+              </a:solidFill>
+              <a:latin typeface="微软雅黑" panose="020B0503020204020204" pitchFamily="34" charset="-122"/>
+              <a:ea typeface="微软雅黑" panose="020B0503020204020204" pitchFamily="34" charset="-122"/>
+              <a:sym typeface="+mn-ea"/>
+            </a:endParaRPr>
+          </a:p>
+          <a:p>
+            <a:pPr>
+              <a:lnSpc>
+                <a:spcPct val="150000"/>
+              </a:lnSpc>
+              <a:spcBef>
+                <a:spcPts val="1000"/>
+              </a:spcBef>
+            </a:pPr>
+            <a:endParaRPr lang="zh-CN" altLang="en-US" sz="2900" noProof="1">
+              <a:solidFill>
+                <a:schemeClr val="tx1"/>
+              </a:solidFill>
+              <a:latin typeface="微软雅黑" panose="020B0503020204020204" pitchFamily="34" charset="-122"/>
+              <a:ea typeface="微软雅黑" panose="020B0503020204020204" pitchFamily="34" charset="-122"/>
+              <a:sym typeface="+mn-ea"/>
+            </a:endParaRPr>
+          </a:p>
+          <a:p>
+            <a:pPr>
+              <a:lnSpc>
+                <a:spcPct val="150000"/>
+              </a:lnSpc>
+              <a:spcBef>
+                <a:spcPts val="1000"/>
+              </a:spcBef>
+            </a:pPr>
+            <a:r>
+              <a:rPr lang="zh-CN" altLang="en-US" sz="2800" noProof="1">
+                <a:solidFill>
+                  <a:schemeClr val="tx1"/>
+                </a:solidFill>
+                <a:latin typeface="微软雅黑" panose="020B0503020204020204" pitchFamily="34" charset="-122"/>
+                <a:ea typeface="微软雅黑" panose="020B0503020204020204" pitchFamily="34" charset="-122"/>
+                <a:sym typeface="+mn-ea"/>
+              </a:rPr>
+              <a:t>也可以通过</a:t>
+            </a:r>
+            <a:r>
+              <a:rPr lang="en-US" altLang="zh-CN" sz="2800" noProof="1">
+                <a:solidFill>
+                  <a:srgbClr val="FF0000"/>
+                </a:solidFill>
+                <a:latin typeface="微软雅黑" panose="020B0503020204020204" pitchFamily="34" charset="-122"/>
+                <a:ea typeface="微软雅黑" panose="020B0503020204020204" pitchFamily="34" charset="-122"/>
+                <a:sym typeface="+mn-ea"/>
+              </a:rPr>
+              <a:t>Path2D</a:t>
+            </a:r>
+            <a:r>
+              <a:rPr lang="zh-CN" altLang="en-US" sz="2800" noProof="1">
+                <a:solidFill>
+                  <a:srgbClr val="FF0000"/>
+                </a:solidFill>
+                <a:latin typeface="微软雅黑" panose="020B0503020204020204" pitchFamily="34" charset="-122"/>
+                <a:ea typeface="微软雅黑" panose="020B0503020204020204" pitchFamily="34" charset="-122"/>
+                <a:sym typeface="+mn-ea"/>
+              </a:rPr>
+              <a:t>构造函数创建路径对象</a:t>
+            </a:r>
             <a:endParaRPr lang="en-US" altLang="zh-CN" sz="2800" noProof="1">
               <a:solidFill>
                 <a:schemeClr val="tx1"/>
@@ -2970,7 +3048,7 @@
         </p:nvSpPr>
         <p:spPr>
           <a:xfrm>
-            <a:off x="1236980" y="1755140"/>
+            <a:off x="1165225" y="1611630"/>
             <a:ext cx="9040495" cy="4036060"/>
           </a:xfrm>
           <a:prstGeom prst="rect">
@@ -3590,7 +3668,7 @@
         </p:nvSpPr>
         <p:spPr>
           <a:xfrm>
-            <a:off x="7730173" y="1846898"/>
+            <a:off x="7730173" y="1703388"/>
             <a:ext cx="144463" cy="2087563"/>
           </a:xfrm>
           <a:prstGeom prst="rightBrace">
@@ -3656,7 +3734,7 @@
         </p:nvSpPr>
         <p:spPr>
           <a:xfrm>
-            <a:off x="8306435" y="2639060"/>
+            <a:off x="8306435" y="2495550"/>
             <a:ext cx="1416050" cy="461963"/>
           </a:xfrm>
           <a:prstGeom prst="rect">
@@ -3794,7 +3872,7 @@
         </p:nvSpPr>
         <p:spPr>
           <a:xfrm>
-            <a:off x="7730173" y="4893945"/>
+            <a:off x="7730173" y="4750435"/>
             <a:ext cx="153988" cy="280988"/>
           </a:xfrm>
           <a:prstGeom prst="rightBrace">
@@ -3860,7 +3938,7 @@
         </p:nvSpPr>
         <p:spPr>
           <a:xfrm>
-            <a:off x="8378190" y="4798695"/>
+            <a:off x="8378190" y="4655185"/>
             <a:ext cx="1509713" cy="461963"/>
           </a:xfrm>
           <a:prstGeom prst="rect">
@@ -3986,6 +4064,50 @@
               <a:solidFill>
                 <a:schemeClr val="tx1"/>
               </a:solidFill>
+            </a:endParaRPr>
+          </a:p>
+        </p:txBody>
+      </p:sp>
+      <p:sp>
+        <p:nvSpPr>
+          <p:cNvPr id="16" name="文本框 15"/>
+          <p:cNvSpPr txBox="1"/>
+          <p:nvPr/>
+        </p:nvSpPr>
+        <p:spPr>
+          <a:xfrm>
+            <a:off x="4984750" y="5931535"/>
+            <a:ext cx="5961380" cy="768350"/>
+          </a:xfrm>
+          <a:prstGeom prst="rect">
+            <a:avLst/>
+          </a:prstGeom>
+          <a:noFill/>
+        </p:spPr>
+        <p:txBody>
+          <a:bodyPr wrap="square" rtlCol="0">
+            <a:spAutoFit/>
+          </a:bodyPr>
+          <a:p>
+            <a:pPr algn="l"/>
+            <a:r>
+              <a:rPr lang="zh-CN" sz="2200" dirty="0">
+                <a:solidFill>
+                  <a:srgbClr val="FF0000"/>
+                </a:solidFill>
+                <a:latin typeface="+mn-ea"/>
+                <a:ea typeface="+mn-ea"/>
+                <a:sym typeface="+mn-ea"/>
+              </a:rPr>
+              <a:t>参考：https://developer.mozilla.org/zh-CN/docs/Web/API/Path2D</a:t>
+            </a:r>
+            <a:endParaRPr lang="zh-CN" sz="2200" dirty="0">
+              <a:solidFill>
+                <a:srgbClr val="FF0000"/>
+              </a:solidFill>
+              <a:latin typeface="+mn-ea"/>
+              <a:ea typeface="+mn-ea"/>
+              <a:sym typeface="+mn-ea"/>
             </a:endParaRPr>
           </a:p>
         </p:txBody>
@@ -4774,6 +4896,191 @@
                       </p:childTnLst>
                     </p:cTn>
                   </p:par>
+                  <p:par>
+                    <p:cTn id="45" fill="hold">
+                      <p:stCondLst>
+                        <p:cond delay="indefinite"/>
+                      </p:stCondLst>
+                      <p:childTnLst>
+                        <p:par>
+                          <p:cTn id="46" fill="hold">
+                            <p:stCondLst>
+                              <p:cond delay="0"/>
+                            </p:stCondLst>
+                            <p:childTnLst>
+                              <p:par>
+                                <p:cTn id="47" presetID="2" presetClass="entr" presetSubtype="4" fill="hold" nodeType="clickEffect">
+                                  <p:stCondLst>
+                                    <p:cond delay="0"/>
+                                  </p:stCondLst>
+                                  <p:childTnLst>
+                                    <p:set>
+                                      <p:cBhvr>
+                                        <p:cTn id="48" dur="1" fill="hold">
+                                          <p:stCondLst>
+                                            <p:cond delay="0"/>
+                                          </p:stCondLst>
+                                        </p:cTn>
+                                        <p:tgtEl>
+                                          <p:spTgt spid="5122">
+                                            <p:txEl>
+                                              <p:pRg st="5" end="5"/>
+                                            </p:txEl>
+                                          </p:spTgt>
+                                        </p:tgtEl>
+                                        <p:attrNameLst>
+                                          <p:attrName>style.visibility</p:attrName>
+                                        </p:attrNameLst>
+                                      </p:cBhvr>
+                                      <p:to>
+                                        <p:strVal val="visible"/>
+                                      </p:to>
+                                    </p:set>
+                                    <p:anim calcmode="lin" valueType="num">
+                                      <p:cBhvr additive="base">
+                                        <p:cTn id="49" dur="500" fill="hold"/>
+                                        <p:tgtEl>
+                                          <p:spTgt spid="5122">
+                                            <p:txEl>
+                                              <p:pRg st="5" end="5"/>
+                                            </p:txEl>
+                                          </p:spTgt>
+                                        </p:tgtEl>
+                                        <p:attrNameLst>
+                                          <p:attrName>ppt_x</p:attrName>
+                                        </p:attrNameLst>
+                                      </p:cBhvr>
+                                      <p:tavLst>
+                                        <p:tav tm="0">
+                                          <p:val>
+                                            <p:strVal val="#ppt_x"/>
+                                          </p:val>
+                                        </p:tav>
+                                        <p:tav tm="100000">
+                                          <p:val>
+                                            <p:strVal val="#ppt_x"/>
+                                          </p:val>
+                                        </p:tav>
+                                      </p:tavLst>
+                                    </p:anim>
+                                    <p:anim calcmode="lin" valueType="num">
+                                      <p:cBhvr additive="base">
+                                        <p:cTn id="50" dur="500" fill="hold"/>
+                                        <p:tgtEl>
+                                          <p:spTgt spid="5122">
+                                            <p:txEl>
+                                              <p:pRg st="5" end="5"/>
+                                            </p:txEl>
+                                          </p:spTgt>
+                                        </p:tgtEl>
+                                        <p:attrNameLst>
+                                          <p:attrName>ppt_y</p:attrName>
+                                        </p:attrNameLst>
+                                      </p:cBhvr>
+                                      <p:tavLst>
+                                        <p:tav tm="0">
+                                          <p:val>
+                                            <p:strVal val="1+#ppt_h/2"/>
+                                          </p:val>
+                                        </p:tav>
+                                        <p:tav tm="100000">
+                                          <p:val>
+                                            <p:strVal val="#ppt_y"/>
+                                          </p:val>
+                                        </p:tav>
+                                      </p:tavLst>
+                                    </p:anim>
+                                  </p:childTnLst>
+                                </p:cTn>
+                              </p:par>
+                            </p:childTnLst>
+                          </p:cTn>
+                        </p:par>
+                        <p:par>
+                          <p:cTn id="51" fill="hold">
+                            <p:stCondLst>
+                              <p:cond delay="500"/>
+                            </p:stCondLst>
+                            <p:childTnLst>
+                              <p:par>
+                                <p:cTn id="52" presetID="2" presetClass="entr" presetSubtype="4" fill="hold" grpId="0" nodeType="afterEffect">
+                                  <p:stCondLst>
+                                    <p:cond delay="0"/>
+                                  </p:stCondLst>
+                                  <p:childTnLst>
+                                    <p:set>
+                                      <p:cBhvr>
+                                        <p:cTn id="53" dur="1" fill="hold">
+                                          <p:stCondLst>
+                                            <p:cond delay="0"/>
+                                          </p:stCondLst>
+                                        </p:cTn>
+                                        <p:tgtEl>
+                                          <p:spTgt spid="16"/>
+                                        </p:tgtEl>
+                                        <p:attrNameLst>
+                                          <p:attrName>style.visibility</p:attrName>
+                                        </p:attrNameLst>
+                                      </p:cBhvr>
+                                      <p:to>
+                                        <p:strVal val="visible"/>
+                                      </p:to>
+                                    </p:set>
+                                    <p:anim calcmode="lin" valueType="num">
+                                      <p:cBhvr additive="base">
+                                        <p:cTn id="54" dur="500" fill="hold"/>
+                                        <p:tgtEl>
+                                          <p:spTgt spid="16"/>
+                                        </p:tgtEl>
+                                        <p:attrNameLst>
+                                          <p:attrName>ppt_x</p:attrName>
+                                        </p:attrNameLst>
+                                      </p:cBhvr>
+                                      <p:tavLst>
+                                        <p:tav tm="0">
+                                          <p:val>
+                                            <p:strVal val="#ppt_x"/>
+                                          </p:val>
+                                        </p:tav>
+                                        <p:tav tm="100000">
+                                          <p:val>
+                                            <p:strVal val="#ppt_x"/>
+                                          </p:val>
+                                        </p:tav>
+                                      </p:tavLst>
+                                    </p:anim>
+                                    <p:anim calcmode="lin" valueType="num">
+                                      <p:cBhvr additive="base">
+                                        <p:cTn id="55" dur="500" fill="hold"/>
+                                        <p:tgtEl>
+                                          <p:spTgt spid="16"/>
+                                        </p:tgtEl>
+                                        <p:attrNameLst>
+                                          <p:attrName>ppt_y</p:attrName>
+                                        </p:attrNameLst>
+                                      </p:cBhvr>
+                                      <p:tavLst>
+                                        <p:tav tm="0">
+                                          <p:val>
+                                            <p:strVal val="1+#ppt_h/2"/>
+                                          </p:val>
+                                        </p:tav>
+                                        <p:tav tm="100000">
+                                          <p:val>
+                                            <p:strVal val="#ppt_y"/>
+                                          </p:val>
+                                        </p:tav>
+                                      </p:tavLst>
+                                    </p:anim>
+                                  </p:childTnLst>
+                                </p:cTn>
+                              </p:par>
+                            </p:childTnLst>
+                          </p:cTn>
+                        </p:par>
+                      </p:childTnLst>
+                    </p:cTn>
+                  </p:par>
                 </p:childTnLst>
               </p:cTn>
               <p:prevCondLst>
@@ -4796,10 +5103,11 @@
       </p:par>
     </p:tnLst>
     <p:bldLst>
-      <p:bldP spid="11" grpId="0" animBg="1"/>
+      <p:bldP spid="11" grpId="0" bldLvl="0" animBg="1"/>
       <p:bldP spid="12" grpId="0"/>
-      <p:bldP spid="13" grpId="0" animBg="1"/>
+      <p:bldP spid="13" grpId="0" bldLvl="0" animBg="1"/>
       <p:bldP spid="14" grpId="0"/>
+      <p:bldP spid="16" grpId="0"/>
     </p:bldLst>
   </p:timing>
 </p:sld>
@@ -13476,12 +13784,21 @@
                 </a:solidFill>
                 <a:sym typeface="+mn-ea"/>
               </a:rPr>
-              <a:t>- </a:t>
+              <a:t>-</a:t>
             </a:r>
             <a:r>
               <a:rPr lang="en-US" altLang="zh-CN" sz="1800" noProof="1">
                 <a:solidFill>
-                  <a:schemeClr val="tx1"/>
+                  <a:schemeClr val="tx2"/>
+                </a:solidFill>
+                <a:sym typeface="+mn-ea"/>
+              </a:rPr>
+              <a:t> </a:t>
+            </a:r>
+            <a:r>
+              <a:rPr lang="en-US" altLang="zh-CN" sz="1800" noProof="1">
+                <a:solidFill>
+                  <a:schemeClr val="tx2"/>
                 </a:solidFill>
                 <a:sym typeface="+mn-ea"/>
                 <a:hlinkClick r:id="rId1"/>
@@ -13491,7 +13808,7 @@
             <a:r>
               <a:rPr lang="en-US" altLang="zh-CN" sz="1800" noProof="1" smtClean="0">
                 <a:solidFill>
-                  <a:schemeClr val="tx1"/>
+                  <a:schemeClr val="tx2"/>
                 </a:solidFill>
                 <a:sym typeface="+mn-ea"/>
                 <a:hlinkClick r:id="rId1"/>
@@ -13553,6 +13870,23 @@
               <a:rPr lang="en-US" altLang="zh-CN" sz="1800" noProof="1">
                 <a:solidFill>
                   <a:schemeClr val="tx1"/>
+                </a:solidFill>
+                <a:sym typeface="+mn-ea"/>
+              </a:rPr>
+            </a:br>
+            <a:r>
+              <a:rPr lang="en-US" altLang="zh-CN" sz="1800" noProof="1">
+                <a:solidFill>
+                  <a:schemeClr val="tx2"/>
+                </a:solidFill>
+                <a:sym typeface="+mn-ea"/>
+              </a:rPr>
+              <a:t>//x, y, radiusX, radiusY, rotation, startAngle, endAngle, anticlockwise(默认为false)</a:t>
+            </a:r>
+            <a:br>
+              <a:rPr lang="en-US" altLang="zh-CN" sz="1800" noProof="1">
+                <a:solidFill>
+                  <a:schemeClr val="tx2"/>
                 </a:solidFill>
                 <a:sym typeface="+mn-ea"/>
               </a:rPr>
@@ -15724,54 +16058,6 @@
               </a:rPr>
               <a:t>”；</a:t>
             </a:r>
-            <a:endParaRPr lang="zh-CN" altLang="zh-CN" sz="2000" dirty="0">
-              <a:solidFill>
-                <a:schemeClr val="tx1"/>
-              </a:solidFill>
-              <a:latin typeface="+mn-ea"/>
-            </a:endParaRPr>
-          </a:p>
-          <a:p>
-            <a:pPr>
-              <a:lnSpc>
-                <a:spcPct val="150000"/>
-              </a:lnSpc>
-              <a:spcBef>
-                <a:spcPts val="1000"/>
-              </a:spcBef>
-            </a:pPr>
-            <a:br>
-              <a:rPr lang="en-US" altLang="zh-CN" sz="2000" dirty="0">
-                <a:solidFill>
-                  <a:srgbClr val="FF0000"/>
-                </a:solidFill>
-                <a:latin typeface="+mn-ea"/>
-                <a:sym typeface="+mn-ea"/>
-              </a:rPr>
-            </a:br>
-            <a:endParaRPr lang="en-US" altLang="zh-CN" sz="2000" kern="1200" noProof="0" dirty="0" smtClean="0">
-              <a:ln>
-                <a:noFill/>
-              </a:ln>
-              <a:solidFill>
-                <a:srgbClr val="565656"/>
-              </a:solidFill>
-              <a:effectLst/>
-              <a:uLnTx/>
-              <a:uFillTx/>
-              <a:latin typeface="+mn-lt"/>
-              <a:sym typeface="+mn-ea"/>
-            </a:endParaRPr>
-          </a:p>
-          <a:p>
-            <a:pPr>
-              <a:lnSpc>
-                <a:spcPct val="150000"/>
-              </a:lnSpc>
-              <a:spcBef>
-                <a:spcPts val="1000"/>
-              </a:spcBef>
-            </a:pPr>
             <a:endParaRPr lang="en-US" altLang="zh-CN" sz="2800" noProof="1">
               <a:solidFill>
                 <a:schemeClr val="tx1"/>
@@ -15852,7 +16138,236 @@
   <p:timing>
     <p:tnLst>
       <p:par>
-        <p:cTn id="1" dur="indefinite" restart="never" nodeType="tmRoot"/>
+        <p:cTn id="1" dur="indefinite" restart="never" nodeType="tmRoot">
+          <p:childTnLst>
+            <p:seq concurrent="1" nextAc="seek">
+              <p:cTn id="2" dur="indefinite" nodeType="mainSeq">
+                <p:childTnLst>
+                  <p:par>
+                    <p:cTn id="3" fill="hold">
+                      <p:stCondLst>
+                        <p:cond delay="indefinite"/>
+                      </p:stCondLst>
+                      <p:childTnLst>
+                        <p:par>
+                          <p:cTn id="4" fill="hold">
+                            <p:stCondLst>
+                              <p:cond delay="0"/>
+                            </p:stCondLst>
+                            <p:childTnLst>
+                              <p:par>
+                                <p:cTn id="5" presetID="2" presetClass="entr" presetSubtype="4" fill="hold" nodeType="clickEffect">
+                                  <p:stCondLst>
+                                    <p:cond delay="0"/>
+                                  </p:stCondLst>
+                                  <p:childTnLst>
+                                    <p:set>
+                                      <p:cBhvr>
+                                        <p:cTn id="6" dur="1" fill="hold">
+                                          <p:stCondLst>
+                                            <p:cond delay="0"/>
+                                          </p:stCondLst>
+                                        </p:cTn>
+                                        <p:tgtEl>
+                                          <p:spTgt spid="5122">
+                                            <p:txEl>
+                                              <p:pRg st="0" end="0"/>
+                                            </p:txEl>
+                                          </p:spTgt>
+                                        </p:tgtEl>
+                                        <p:attrNameLst>
+                                          <p:attrName>style.visibility</p:attrName>
+                                        </p:attrNameLst>
+                                      </p:cBhvr>
+                                      <p:to>
+                                        <p:strVal val="visible"/>
+                                      </p:to>
+                                    </p:set>
+                                    <p:anim calcmode="lin" valueType="num">
+                                      <p:cBhvr additive="base">
+                                        <p:cTn id="7" dur="500" fill="hold"/>
+                                        <p:tgtEl>
+                                          <p:spTgt spid="5122">
+                                            <p:txEl>
+                                              <p:pRg st="0" end="0"/>
+                                            </p:txEl>
+                                          </p:spTgt>
+                                        </p:tgtEl>
+                                        <p:attrNameLst>
+                                          <p:attrName>ppt_x</p:attrName>
+                                        </p:attrNameLst>
+                                      </p:cBhvr>
+                                      <p:tavLst>
+                                        <p:tav tm="0">
+                                          <p:val>
+                                            <p:strVal val="#ppt_x"/>
+                                          </p:val>
+                                        </p:tav>
+                                        <p:tav tm="100000">
+                                          <p:val>
+                                            <p:strVal val="#ppt_x"/>
+                                          </p:val>
+                                        </p:tav>
+                                      </p:tavLst>
+                                    </p:anim>
+                                    <p:anim calcmode="lin" valueType="num">
+                                      <p:cBhvr additive="base">
+                                        <p:cTn id="8" dur="500" fill="hold"/>
+                                        <p:tgtEl>
+                                          <p:spTgt spid="5122">
+                                            <p:txEl>
+                                              <p:pRg st="0" end="0"/>
+                                            </p:txEl>
+                                          </p:spTgt>
+                                        </p:tgtEl>
+                                        <p:attrNameLst>
+                                          <p:attrName>ppt_y</p:attrName>
+                                        </p:attrNameLst>
+                                      </p:cBhvr>
+                                      <p:tavLst>
+                                        <p:tav tm="0">
+                                          <p:val>
+                                            <p:strVal val="1+#ppt_h/2"/>
+                                          </p:val>
+                                        </p:tav>
+                                        <p:tav tm="100000">
+                                          <p:val>
+                                            <p:strVal val="#ppt_y"/>
+                                          </p:val>
+                                        </p:tav>
+                                      </p:tavLst>
+                                    </p:anim>
+                                  </p:childTnLst>
+                                </p:cTn>
+                              </p:par>
+                            </p:childTnLst>
+                          </p:cTn>
+                        </p:par>
+                      </p:childTnLst>
+                    </p:cTn>
+                  </p:par>
+                  <p:par>
+                    <p:cTn id="9" fill="hold">
+                      <p:stCondLst>
+                        <p:cond delay="indefinite"/>
+                      </p:stCondLst>
+                      <p:childTnLst>
+                        <p:par>
+                          <p:cTn id="10" fill="hold">
+                            <p:stCondLst>
+                              <p:cond delay="0"/>
+                            </p:stCondLst>
+                            <p:childTnLst>
+                              <p:par>
+                                <p:cTn id="11" presetID="2" presetClass="entr" presetSubtype="4" fill="hold" nodeType="clickEffect">
+                                  <p:stCondLst>
+                                    <p:cond delay="0"/>
+                                  </p:stCondLst>
+                                  <p:childTnLst>
+                                    <p:set>
+                                      <p:cBhvr>
+                                        <p:cTn id="12" dur="1" fill="hold">
+                                          <p:stCondLst>
+                                            <p:cond delay="0"/>
+                                          </p:stCondLst>
+                                        </p:cTn>
+                                        <p:tgtEl>
+                                          <p:spTgt spid="5122">
+                                            <p:txEl>
+                                              <p:pRg st="1" end="1"/>
+                                            </p:txEl>
+                                          </p:spTgt>
+                                        </p:tgtEl>
+                                        <p:attrNameLst>
+                                          <p:attrName>style.visibility</p:attrName>
+                                        </p:attrNameLst>
+                                      </p:cBhvr>
+                                      <p:to>
+                                        <p:strVal val="visible"/>
+                                      </p:to>
+                                    </p:set>
+                                    <p:anim calcmode="lin" valueType="num">
+                                      <p:cBhvr additive="base">
+                                        <p:cTn id="13" dur="500" fill="hold"/>
+                                        <p:tgtEl>
+                                          <p:spTgt spid="5122">
+                                            <p:txEl>
+                                              <p:pRg st="1" end="1"/>
+                                            </p:txEl>
+                                          </p:spTgt>
+                                        </p:tgtEl>
+                                        <p:attrNameLst>
+                                          <p:attrName>ppt_x</p:attrName>
+                                        </p:attrNameLst>
+                                      </p:cBhvr>
+                                      <p:tavLst>
+                                        <p:tav tm="0">
+                                          <p:val>
+                                            <p:strVal val="#ppt_x"/>
+                                          </p:val>
+                                        </p:tav>
+                                        <p:tav tm="100000">
+                                          <p:val>
+                                            <p:strVal val="#ppt_x"/>
+                                          </p:val>
+                                        </p:tav>
+                                      </p:tavLst>
+                                    </p:anim>
+                                    <p:anim calcmode="lin" valueType="num">
+                                      <p:cBhvr additive="base">
+                                        <p:cTn id="14" dur="500" fill="hold"/>
+                                        <p:tgtEl>
+                                          <p:spTgt spid="5122">
+                                            <p:txEl>
+                                              <p:pRg st="1" end="1"/>
+                                            </p:txEl>
+                                          </p:spTgt>
+                                        </p:tgtEl>
+                                        <p:attrNameLst>
+                                          <p:attrName>ppt_y</p:attrName>
+                                        </p:attrNameLst>
+                                      </p:cBhvr>
+                                      <p:tavLst>
+                                        <p:tav tm="0">
+                                          <p:val>
+                                            <p:strVal val="1+#ppt_h/2"/>
+                                          </p:val>
+                                        </p:tav>
+                                        <p:tav tm="100000">
+                                          <p:val>
+                                            <p:strVal val="#ppt_y"/>
+                                          </p:val>
+                                        </p:tav>
+                                      </p:tavLst>
+                                    </p:anim>
+                                  </p:childTnLst>
+                                </p:cTn>
+                              </p:par>
+                            </p:childTnLst>
+                          </p:cTn>
+                        </p:par>
+                      </p:childTnLst>
+                    </p:cTn>
+                  </p:par>
+                </p:childTnLst>
+              </p:cTn>
+              <p:prevCondLst>
+                <p:cond evt="onPrev" delay="0">
+                  <p:tgtEl>
+                    <p:sldTgt/>
+                  </p:tgtEl>
+                </p:cond>
+              </p:prevCondLst>
+              <p:nextCondLst>
+                <p:cond evt="onNext" delay="0">
+                  <p:tgtEl>
+                    <p:sldTgt/>
+                  </p:tgtEl>
+                </p:cond>
+              </p:nextCondLst>
+            </p:seq>
+          </p:childTnLst>
+        </p:cTn>
       </p:par>
     </p:tnLst>
   </p:timing>
@@ -16841,82 +17356,7 @@
   <p:timing>
     <p:tnLst>
       <p:par>
-        <p:cTn id="1" dur="indefinite" restart="never" nodeType="tmRoot">
-          <p:childTnLst>
-            <p:seq concurrent="1" nextAc="seek">
-              <p:cTn id="2" dur="indefinite" nodeType="mainSeq">
-                <p:childTnLst>
-                  <p:par>
-                    <p:cTn id="3" fill="hold">
-                      <p:stCondLst>
-                        <p:cond delay="indefinite"/>
-                        <p:cond evt="onBegin" delay="0">
-                          <p:tn val="2"/>
-                        </p:cond>
-                      </p:stCondLst>
-                      <p:childTnLst>
-                        <p:par>
-                          <p:cTn id="4" fill="hold">
-                            <p:stCondLst>
-                              <p:cond delay="0"/>
-                            </p:stCondLst>
-                            <p:childTnLst>
-                              <p:par>
-                                <p:cTn id="5" presetID="1" presetClass="entr" presetSubtype="0" fill="hold" nodeType="withEffect">
-                                  <p:stCondLst>
-                                    <p:cond delay="0"/>
-                                  </p:stCondLst>
-                                  <p:childTnLst>
-                                    <p:set>
-                                      <p:cBhvr>
-                                        <p:cTn id="6" dur="1" fill="hold">
-                                          <p:stCondLst>
-                                            <p:cond delay="0"/>
-                                          </p:stCondLst>
-                                        </p:cTn>
-                                        <p:tgtEl>
-                                          <p:spTgt spid="3">
-                                            <p:txEl>
-                                              <p:charRg st="3" end="3"/>
-                                            </p:txEl>
-                                          </p:spTgt>
-                                        </p:tgtEl>
-                                        <p:attrNameLst>
-                                          <p:attrName>style.visibility</p:attrName>
-                                        </p:attrNameLst>
-                                      </p:cBhvr>
-                                      <p:to>
-                                        <p:strVal val="visible"/>
-                                      </p:to>
-                                    </p:set>
-                                  </p:childTnLst>
-                                </p:cTn>
-                              </p:par>
-                            </p:childTnLst>
-                          </p:cTn>
-                        </p:par>
-                      </p:childTnLst>
-                    </p:cTn>
-                  </p:par>
-                </p:childTnLst>
-              </p:cTn>
-              <p:prevCondLst>
-                <p:cond evt="onPrev" delay="0">
-                  <p:tgtEl>
-                    <p:sldTgt/>
-                  </p:tgtEl>
-                </p:cond>
-              </p:prevCondLst>
-              <p:nextCondLst>
-                <p:cond evt="onNext" delay="0">
-                  <p:tgtEl>
-                    <p:sldTgt/>
-                  </p:tgtEl>
-                </p:cond>
-              </p:nextCondLst>
-            </p:seq>
-          </p:childTnLst>
-        </p:cTn>
+        <p:cTn id="1" dur="indefinite" restart="never" nodeType="tmRoot"/>
       </p:par>
     </p:tnLst>
   </p:timing>
@@ -18427,9 +18867,435 @@
   <p:timing>
     <p:tnLst>
       <p:par>
-        <p:cTn id="1" dur="indefinite" restart="never" nodeType="tmRoot"/>
+        <p:cTn id="1" dur="indefinite" restart="never" nodeType="tmRoot">
+          <p:childTnLst>
+            <p:seq concurrent="1" nextAc="seek">
+              <p:cTn id="2" dur="indefinite" nodeType="mainSeq">
+                <p:childTnLst>
+                  <p:par>
+                    <p:cTn id="3" fill="hold">
+                      <p:stCondLst>
+                        <p:cond delay="indefinite"/>
+                      </p:stCondLst>
+                      <p:childTnLst>
+                        <p:par>
+                          <p:cTn id="4" fill="hold">
+                            <p:stCondLst>
+                              <p:cond delay="0"/>
+                            </p:stCondLst>
+                            <p:childTnLst>
+                              <p:par>
+                                <p:cTn id="5" presetID="2" presetClass="entr" presetSubtype="4" fill="hold" nodeType="clickEffect">
+                                  <p:stCondLst>
+                                    <p:cond delay="0"/>
+                                  </p:stCondLst>
+                                  <p:childTnLst>
+                                    <p:set>
+                                      <p:cBhvr>
+                                        <p:cTn id="6" dur="1" fill="hold">
+                                          <p:stCondLst>
+                                            <p:cond delay="0"/>
+                                          </p:stCondLst>
+                                        </p:cTn>
+                                        <p:tgtEl>
+                                          <p:spTgt spid="5122">
+                                            <p:txEl>
+                                              <p:pRg st="0" end="0"/>
+                                            </p:txEl>
+                                          </p:spTgt>
+                                        </p:tgtEl>
+                                        <p:attrNameLst>
+                                          <p:attrName>style.visibility</p:attrName>
+                                        </p:attrNameLst>
+                                      </p:cBhvr>
+                                      <p:to>
+                                        <p:strVal val="visible"/>
+                                      </p:to>
+                                    </p:set>
+                                    <p:anim calcmode="lin" valueType="num">
+                                      <p:cBhvr additive="base">
+                                        <p:cTn id="7" dur="500" fill="hold"/>
+                                        <p:tgtEl>
+                                          <p:spTgt spid="5122">
+                                            <p:txEl>
+                                              <p:pRg st="0" end="0"/>
+                                            </p:txEl>
+                                          </p:spTgt>
+                                        </p:tgtEl>
+                                        <p:attrNameLst>
+                                          <p:attrName>ppt_x</p:attrName>
+                                        </p:attrNameLst>
+                                      </p:cBhvr>
+                                      <p:tavLst>
+                                        <p:tav tm="0">
+                                          <p:val>
+                                            <p:strVal val="#ppt_x"/>
+                                          </p:val>
+                                        </p:tav>
+                                        <p:tav tm="100000">
+                                          <p:val>
+                                            <p:strVal val="#ppt_x"/>
+                                          </p:val>
+                                        </p:tav>
+                                      </p:tavLst>
+                                    </p:anim>
+                                    <p:anim calcmode="lin" valueType="num">
+                                      <p:cBhvr additive="base">
+                                        <p:cTn id="8" dur="500" fill="hold"/>
+                                        <p:tgtEl>
+                                          <p:spTgt spid="5122">
+                                            <p:txEl>
+                                              <p:pRg st="0" end="0"/>
+                                            </p:txEl>
+                                          </p:spTgt>
+                                        </p:tgtEl>
+                                        <p:attrNameLst>
+                                          <p:attrName>ppt_y</p:attrName>
+                                        </p:attrNameLst>
+                                      </p:cBhvr>
+                                      <p:tavLst>
+                                        <p:tav tm="0">
+                                          <p:val>
+                                            <p:strVal val="1+#ppt_h/2"/>
+                                          </p:val>
+                                        </p:tav>
+                                        <p:tav tm="100000">
+                                          <p:val>
+                                            <p:strVal val="#ppt_y"/>
+                                          </p:val>
+                                        </p:tav>
+                                      </p:tavLst>
+                                    </p:anim>
+                                  </p:childTnLst>
+                                </p:cTn>
+                              </p:par>
+                            </p:childTnLst>
+                          </p:cTn>
+                        </p:par>
+                      </p:childTnLst>
+                    </p:cTn>
+                  </p:par>
+                  <p:par>
+                    <p:cTn id="9" fill="hold">
+                      <p:stCondLst>
+                        <p:cond delay="indefinite"/>
+                      </p:stCondLst>
+                      <p:childTnLst>
+                        <p:par>
+                          <p:cTn id="10" fill="hold">
+                            <p:stCondLst>
+                              <p:cond delay="0"/>
+                            </p:stCondLst>
+                            <p:childTnLst>
+                              <p:par>
+                                <p:cTn id="11" presetID="2" presetClass="entr" presetSubtype="4" fill="hold" nodeType="clickEffect">
+                                  <p:stCondLst>
+                                    <p:cond delay="0"/>
+                                  </p:stCondLst>
+                                  <p:childTnLst>
+                                    <p:set>
+                                      <p:cBhvr>
+                                        <p:cTn id="12" dur="1" fill="hold">
+                                          <p:stCondLst>
+                                            <p:cond delay="0"/>
+                                          </p:stCondLst>
+                                        </p:cTn>
+                                        <p:tgtEl>
+                                          <p:spTgt spid="5122">
+                                            <p:txEl>
+                                              <p:pRg st="1" end="1"/>
+                                            </p:txEl>
+                                          </p:spTgt>
+                                        </p:tgtEl>
+                                        <p:attrNameLst>
+                                          <p:attrName>style.visibility</p:attrName>
+                                        </p:attrNameLst>
+                                      </p:cBhvr>
+                                      <p:to>
+                                        <p:strVal val="visible"/>
+                                      </p:to>
+                                    </p:set>
+                                    <p:anim calcmode="lin" valueType="num">
+                                      <p:cBhvr additive="base">
+                                        <p:cTn id="13" dur="500" fill="hold"/>
+                                        <p:tgtEl>
+                                          <p:spTgt spid="5122">
+                                            <p:txEl>
+                                              <p:pRg st="1" end="1"/>
+                                            </p:txEl>
+                                          </p:spTgt>
+                                        </p:tgtEl>
+                                        <p:attrNameLst>
+                                          <p:attrName>ppt_x</p:attrName>
+                                        </p:attrNameLst>
+                                      </p:cBhvr>
+                                      <p:tavLst>
+                                        <p:tav tm="0">
+                                          <p:val>
+                                            <p:strVal val="#ppt_x"/>
+                                          </p:val>
+                                        </p:tav>
+                                        <p:tav tm="100000">
+                                          <p:val>
+                                            <p:strVal val="#ppt_x"/>
+                                          </p:val>
+                                        </p:tav>
+                                      </p:tavLst>
+                                    </p:anim>
+                                    <p:anim calcmode="lin" valueType="num">
+                                      <p:cBhvr additive="base">
+                                        <p:cTn id="14" dur="500" fill="hold"/>
+                                        <p:tgtEl>
+                                          <p:spTgt spid="5122">
+                                            <p:txEl>
+                                              <p:pRg st="1" end="1"/>
+                                            </p:txEl>
+                                          </p:spTgt>
+                                        </p:tgtEl>
+                                        <p:attrNameLst>
+                                          <p:attrName>ppt_y</p:attrName>
+                                        </p:attrNameLst>
+                                      </p:cBhvr>
+                                      <p:tavLst>
+                                        <p:tav tm="0">
+                                          <p:val>
+                                            <p:strVal val="1+#ppt_h/2"/>
+                                          </p:val>
+                                        </p:tav>
+                                        <p:tav tm="100000">
+                                          <p:val>
+                                            <p:strVal val="#ppt_y"/>
+                                          </p:val>
+                                        </p:tav>
+                                      </p:tavLst>
+                                    </p:anim>
+                                  </p:childTnLst>
+                                </p:cTn>
+                              </p:par>
+                            </p:childTnLst>
+                          </p:cTn>
+                        </p:par>
+                      </p:childTnLst>
+                    </p:cTn>
+                  </p:par>
+                  <p:par>
+                    <p:cTn id="15" fill="hold">
+                      <p:stCondLst>
+                        <p:cond delay="indefinite"/>
+                      </p:stCondLst>
+                      <p:childTnLst>
+                        <p:par>
+                          <p:cTn id="16" fill="hold">
+                            <p:stCondLst>
+                              <p:cond delay="0"/>
+                            </p:stCondLst>
+                            <p:childTnLst>
+                              <p:par>
+                                <p:cTn id="17" presetID="2" presetClass="entr" presetSubtype="4" fill="hold" nodeType="clickEffect">
+                                  <p:stCondLst>
+                                    <p:cond delay="0"/>
+                                  </p:stCondLst>
+                                  <p:childTnLst>
+                                    <p:set>
+                                      <p:cBhvr>
+                                        <p:cTn id="18" dur="1" fill="hold">
+                                          <p:stCondLst>
+                                            <p:cond delay="0"/>
+                                          </p:stCondLst>
+                                        </p:cTn>
+                                        <p:tgtEl>
+                                          <p:spTgt spid="5122">
+                                            <p:txEl>
+                                              <p:pRg st="2" end="2"/>
+                                            </p:txEl>
+                                          </p:spTgt>
+                                        </p:tgtEl>
+                                        <p:attrNameLst>
+                                          <p:attrName>style.visibility</p:attrName>
+                                        </p:attrNameLst>
+                                      </p:cBhvr>
+                                      <p:to>
+                                        <p:strVal val="visible"/>
+                                      </p:to>
+                                    </p:set>
+                                    <p:anim calcmode="lin" valueType="num">
+                                      <p:cBhvr additive="base">
+                                        <p:cTn id="19" dur="500" fill="hold"/>
+                                        <p:tgtEl>
+                                          <p:spTgt spid="5122">
+                                            <p:txEl>
+                                              <p:pRg st="2" end="2"/>
+                                            </p:txEl>
+                                          </p:spTgt>
+                                        </p:tgtEl>
+                                        <p:attrNameLst>
+                                          <p:attrName>ppt_x</p:attrName>
+                                        </p:attrNameLst>
+                                      </p:cBhvr>
+                                      <p:tavLst>
+                                        <p:tav tm="0">
+                                          <p:val>
+                                            <p:strVal val="#ppt_x"/>
+                                          </p:val>
+                                        </p:tav>
+                                        <p:tav tm="100000">
+                                          <p:val>
+                                            <p:strVal val="#ppt_x"/>
+                                          </p:val>
+                                        </p:tav>
+                                      </p:tavLst>
+                                    </p:anim>
+                                    <p:anim calcmode="lin" valueType="num">
+                                      <p:cBhvr additive="base">
+                                        <p:cTn id="20" dur="500" fill="hold"/>
+                                        <p:tgtEl>
+                                          <p:spTgt spid="5122">
+                                            <p:txEl>
+                                              <p:pRg st="2" end="2"/>
+                                            </p:txEl>
+                                          </p:spTgt>
+                                        </p:tgtEl>
+                                        <p:attrNameLst>
+                                          <p:attrName>ppt_y</p:attrName>
+                                        </p:attrNameLst>
+                                      </p:cBhvr>
+                                      <p:tavLst>
+                                        <p:tav tm="0">
+                                          <p:val>
+                                            <p:strVal val="1+#ppt_h/2"/>
+                                          </p:val>
+                                        </p:tav>
+                                        <p:tav tm="100000">
+                                          <p:val>
+                                            <p:strVal val="#ppt_y"/>
+                                          </p:val>
+                                        </p:tav>
+                                      </p:tavLst>
+                                    </p:anim>
+                                  </p:childTnLst>
+                                </p:cTn>
+                              </p:par>
+                            </p:childTnLst>
+                          </p:cTn>
+                        </p:par>
+                      </p:childTnLst>
+                    </p:cTn>
+                  </p:par>
+                  <p:par>
+                    <p:cTn id="21" fill="hold">
+                      <p:stCondLst>
+                        <p:cond delay="indefinite"/>
+                      </p:stCondLst>
+                      <p:childTnLst>
+                        <p:par>
+                          <p:cTn id="22" fill="hold">
+                            <p:stCondLst>
+                              <p:cond delay="0"/>
+                            </p:stCondLst>
+                            <p:childTnLst>
+                              <p:par>
+                                <p:cTn id="23" presetID="2" presetClass="entr" presetSubtype="4" fill="hold" grpId="0" nodeType="clickEffect">
+                                  <p:stCondLst>
+                                    <p:cond delay="0"/>
+                                  </p:stCondLst>
+                                  <p:childTnLst>
+                                    <p:set>
+                                      <p:cBhvr>
+                                        <p:cTn id="24" dur="1" fill="hold">
+                                          <p:stCondLst>
+                                            <p:cond delay="0"/>
+                                          </p:stCondLst>
+                                        </p:cTn>
+                                        <p:tgtEl>
+                                          <p:spTgt spid="16"/>
+                                        </p:tgtEl>
+                                        <p:attrNameLst>
+                                          <p:attrName>style.visibility</p:attrName>
+                                        </p:attrNameLst>
+                                      </p:cBhvr>
+                                      <p:to>
+                                        <p:strVal val="visible"/>
+                                      </p:to>
+                                    </p:set>
+                                    <p:anim calcmode="lin" valueType="num">
+                                      <p:cBhvr additive="base">
+                                        <p:cTn id="25" dur="500" fill="hold"/>
+                                        <p:tgtEl>
+                                          <p:spTgt spid="16"/>
+                                        </p:tgtEl>
+                                        <p:attrNameLst>
+                                          <p:attrName>ppt_x</p:attrName>
+                                        </p:attrNameLst>
+                                      </p:cBhvr>
+                                      <p:tavLst>
+                                        <p:tav tm="0">
+                                          <p:val>
+                                            <p:strVal val="#ppt_x"/>
+                                          </p:val>
+                                        </p:tav>
+                                        <p:tav tm="100000">
+                                          <p:val>
+                                            <p:strVal val="#ppt_x"/>
+                                          </p:val>
+                                        </p:tav>
+                                      </p:tavLst>
+                                    </p:anim>
+                                    <p:anim calcmode="lin" valueType="num">
+                                      <p:cBhvr additive="base">
+                                        <p:cTn id="26" dur="500" fill="hold"/>
+                                        <p:tgtEl>
+                                          <p:spTgt spid="16"/>
+                                        </p:tgtEl>
+                                        <p:attrNameLst>
+                                          <p:attrName>ppt_y</p:attrName>
+                                        </p:attrNameLst>
+                                      </p:cBhvr>
+                                      <p:tavLst>
+                                        <p:tav tm="0">
+                                          <p:val>
+                                            <p:strVal val="1+#ppt_h/2"/>
+                                          </p:val>
+                                        </p:tav>
+                                        <p:tav tm="100000">
+                                          <p:val>
+                                            <p:strVal val="#ppt_y"/>
+                                          </p:val>
+                                        </p:tav>
+                                      </p:tavLst>
+                                    </p:anim>
+                                  </p:childTnLst>
+                                </p:cTn>
+                              </p:par>
+                            </p:childTnLst>
+                          </p:cTn>
+                        </p:par>
+                      </p:childTnLst>
+                    </p:cTn>
+                  </p:par>
+                </p:childTnLst>
+              </p:cTn>
+              <p:prevCondLst>
+                <p:cond evt="onPrev" delay="0">
+                  <p:tgtEl>
+                    <p:sldTgt/>
+                  </p:tgtEl>
+                </p:cond>
+              </p:prevCondLst>
+              <p:nextCondLst>
+                <p:cond evt="onNext" delay="0">
+                  <p:tgtEl>
+                    <p:sldTgt/>
+                  </p:tgtEl>
+                </p:cond>
+              </p:nextCondLst>
+            </p:seq>
+          </p:childTnLst>
+        </p:cTn>
       </p:par>
     </p:tnLst>
+    <p:bldLst>
+      <p:bldP spid="16" grpId="0"/>
+    </p:bldLst>
   </p:timing>
 </p:sld>
 </file>
@@ -22645,9 +23511,408 @@
   <p:timing>
     <p:tnLst>
       <p:par>
-        <p:cTn id="1" dur="indefinite" restart="never" nodeType="tmRoot"/>
+        <p:cTn id="1" dur="indefinite" restart="never" nodeType="tmRoot">
+          <p:childTnLst>
+            <p:seq concurrent="1" nextAc="seek">
+              <p:cTn id="2" dur="indefinite" nodeType="mainSeq">
+                <p:childTnLst>
+                  <p:par>
+                    <p:cTn id="3" fill="hold">
+                      <p:stCondLst>
+                        <p:cond delay="indefinite"/>
+                      </p:stCondLst>
+                      <p:childTnLst>
+                        <p:par>
+                          <p:cTn id="4" fill="hold">
+                            <p:stCondLst>
+                              <p:cond delay="0"/>
+                            </p:stCondLst>
+                            <p:childTnLst>
+                              <p:par>
+                                <p:cTn id="5" presetID="2" presetClass="entr" presetSubtype="4" fill="hold" nodeType="clickEffect">
+                                  <p:stCondLst>
+                                    <p:cond delay="0"/>
+                                  </p:stCondLst>
+                                  <p:childTnLst>
+                                    <p:set>
+                                      <p:cBhvr>
+                                        <p:cTn id="6" dur="1" fill="hold">
+                                          <p:stCondLst>
+                                            <p:cond delay="0"/>
+                                          </p:stCondLst>
+                                        </p:cTn>
+                                        <p:tgtEl>
+                                          <p:spTgt spid="5122">
+                                            <p:txEl>
+                                              <p:pRg st="0" end="0"/>
+                                            </p:txEl>
+                                          </p:spTgt>
+                                        </p:tgtEl>
+                                        <p:attrNameLst>
+                                          <p:attrName>style.visibility</p:attrName>
+                                        </p:attrNameLst>
+                                      </p:cBhvr>
+                                      <p:to>
+                                        <p:strVal val="visible"/>
+                                      </p:to>
+                                    </p:set>
+                                    <p:anim calcmode="lin" valueType="num">
+                                      <p:cBhvr additive="base">
+                                        <p:cTn id="7" dur="500" fill="hold"/>
+                                        <p:tgtEl>
+                                          <p:spTgt spid="5122">
+                                            <p:txEl>
+                                              <p:pRg st="0" end="0"/>
+                                            </p:txEl>
+                                          </p:spTgt>
+                                        </p:tgtEl>
+                                        <p:attrNameLst>
+                                          <p:attrName>ppt_x</p:attrName>
+                                        </p:attrNameLst>
+                                      </p:cBhvr>
+                                      <p:tavLst>
+                                        <p:tav tm="0">
+                                          <p:val>
+                                            <p:strVal val="#ppt_x"/>
+                                          </p:val>
+                                        </p:tav>
+                                        <p:tav tm="100000">
+                                          <p:val>
+                                            <p:strVal val="#ppt_x"/>
+                                          </p:val>
+                                        </p:tav>
+                                      </p:tavLst>
+                                    </p:anim>
+                                    <p:anim calcmode="lin" valueType="num">
+                                      <p:cBhvr additive="base">
+                                        <p:cTn id="8" dur="500" fill="hold"/>
+                                        <p:tgtEl>
+                                          <p:spTgt spid="5122">
+                                            <p:txEl>
+                                              <p:pRg st="0" end="0"/>
+                                            </p:txEl>
+                                          </p:spTgt>
+                                        </p:tgtEl>
+                                        <p:attrNameLst>
+                                          <p:attrName>ppt_y</p:attrName>
+                                        </p:attrNameLst>
+                                      </p:cBhvr>
+                                      <p:tavLst>
+                                        <p:tav tm="0">
+                                          <p:val>
+                                            <p:strVal val="1+#ppt_h/2"/>
+                                          </p:val>
+                                        </p:tav>
+                                        <p:tav tm="100000">
+                                          <p:val>
+                                            <p:strVal val="#ppt_y"/>
+                                          </p:val>
+                                        </p:tav>
+                                      </p:tavLst>
+                                    </p:anim>
+                                  </p:childTnLst>
+                                </p:cTn>
+                              </p:par>
+                            </p:childTnLst>
+                          </p:cTn>
+                        </p:par>
+                      </p:childTnLst>
+                    </p:cTn>
+                  </p:par>
+                  <p:par>
+                    <p:cTn id="9" fill="hold">
+                      <p:stCondLst>
+                        <p:cond delay="indefinite"/>
+                      </p:stCondLst>
+                      <p:childTnLst>
+                        <p:par>
+                          <p:cTn id="10" fill="hold">
+                            <p:stCondLst>
+                              <p:cond delay="0"/>
+                            </p:stCondLst>
+                            <p:childTnLst>
+                              <p:par>
+                                <p:cTn id="11" presetID="2" presetClass="entr" presetSubtype="4" fill="hold" nodeType="clickEffect">
+                                  <p:stCondLst>
+                                    <p:cond delay="0"/>
+                                  </p:stCondLst>
+                                  <p:childTnLst>
+                                    <p:set>
+                                      <p:cBhvr>
+                                        <p:cTn id="12" dur="1" fill="hold">
+                                          <p:stCondLst>
+                                            <p:cond delay="0"/>
+                                          </p:stCondLst>
+                                        </p:cTn>
+                                        <p:tgtEl>
+                                          <p:spTgt spid="5122">
+                                            <p:txEl>
+                                              <p:pRg st="1" end="1"/>
+                                            </p:txEl>
+                                          </p:spTgt>
+                                        </p:tgtEl>
+                                        <p:attrNameLst>
+                                          <p:attrName>style.visibility</p:attrName>
+                                        </p:attrNameLst>
+                                      </p:cBhvr>
+                                      <p:to>
+                                        <p:strVal val="visible"/>
+                                      </p:to>
+                                    </p:set>
+                                    <p:anim calcmode="lin" valueType="num">
+                                      <p:cBhvr additive="base">
+                                        <p:cTn id="13" dur="500" fill="hold"/>
+                                        <p:tgtEl>
+                                          <p:spTgt spid="5122">
+                                            <p:txEl>
+                                              <p:pRg st="1" end="1"/>
+                                            </p:txEl>
+                                          </p:spTgt>
+                                        </p:tgtEl>
+                                        <p:attrNameLst>
+                                          <p:attrName>ppt_x</p:attrName>
+                                        </p:attrNameLst>
+                                      </p:cBhvr>
+                                      <p:tavLst>
+                                        <p:tav tm="0">
+                                          <p:val>
+                                            <p:strVal val="#ppt_x"/>
+                                          </p:val>
+                                        </p:tav>
+                                        <p:tav tm="100000">
+                                          <p:val>
+                                            <p:strVal val="#ppt_x"/>
+                                          </p:val>
+                                        </p:tav>
+                                      </p:tavLst>
+                                    </p:anim>
+                                    <p:anim calcmode="lin" valueType="num">
+                                      <p:cBhvr additive="base">
+                                        <p:cTn id="14" dur="500" fill="hold"/>
+                                        <p:tgtEl>
+                                          <p:spTgt spid="5122">
+                                            <p:txEl>
+                                              <p:pRg st="1" end="1"/>
+                                            </p:txEl>
+                                          </p:spTgt>
+                                        </p:tgtEl>
+                                        <p:attrNameLst>
+                                          <p:attrName>ppt_y</p:attrName>
+                                        </p:attrNameLst>
+                                      </p:cBhvr>
+                                      <p:tavLst>
+                                        <p:tav tm="0">
+                                          <p:val>
+                                            <p:strVal val="1+#ppt_h/2"/>
+                                          </p:val>
+                                        </p:tav>
+                                        <p:tav tm="100000">
+                                          <p:val>
+                                            <p:strVal val="#ppt_y"/>
+                                          </p:val>
+                                        </p:tav>
+                                      </p:tavLst>
+                                    </p:anim>
+                                  </p:childTnLst>
+                                </p:cTn>
+                              </p:par>
+                              <p:par>
+                                <p:cTn id="15" presetID="2" presetClass="entr" presetSubtype="4" fill="hold" nodeType="withEffect">
+                                  <p:stCondLst>
+                                    <p:cond delay="0"/>
+                                  </p:stCondLst>
+                                  <p:childTnLst>
+                                    <p:set>
+                                      <p:cBhvr>
+                                        <p:cTn id="16" dur="1" fill="hold">
+                                          <p:stCondLst>
+                                            <p:cond delay="0"/>
+                                          </p:stCondLst>
+                                        </p:cTn>
+                                        <p:tgtEl>
+                                          <p:spTgt spid="5122">
+                                            <p:txEl>
+                                              <p:pRg st="2" end="2"/>
+                                            </p:txEl>
+                                          </p:spTgt>
+                                        </p:tgtEl>
+                                        <p:attrNameLst>
+                                          <p:attrName>style.visibility</p:attrName>
+                                        </p:attrNameLst>
+                                      </p:cBhvr>
+                                      <p:to>
+                                        <p:strVal val="visible"/>
+                                      </p:to>
+                                    </p:set>
+                                    <p:anim calcmode="lin" valueType="num">
+                                      <p:cBhvr additive="base">
+                                        <p:cTn id="17" dur="500" fill="hold"/>
+                                        <p:tgtEl>
+                                          <p:spTgt spid="5122">
+                                            <p:txEl>
+                                              <p:pRg st="2" end="2"/>
+                                            </p:txEl>
+                                          </p:spTgt>
+                                        </p:tgtEl>
+                                        <p:attrNameLst>
+                                          <p:attrName>ppt_x</p:attrName>
+                                        </p:attrNameLst>
+                                      </p:cBhvr>
+                                      <p:tavLst>
+                                        <p:tav tm="0">
+                                          <p:val>
+                                            <p:strVal val="#ppt_x"/>
+                                          </p:val>
+                                        </p:tav>
+                                        <p:tav tm="100000">
+                                          <p:val>
+                                            <p:strVal val="#ppt_x"/>
+                                          </p:val>
+                                        </p:tav>
+                                      </p:tavLst>
+                                    </p:anim>
+                                    <p:anim calcmode="lin" valueType="num">
+                                      <p:cBhvr additive="base">
+                                        <p:cTn id="18" dur="500" fill="hold"/>
+                                        <p:tgtEl>
+                                          <p:spTgt spid="5122">
+                                            <p:txEl>
+                                              <p:pRg st="2" end="2"/>
+                                            </p:txEl>
+                                          </p:spTgt>
+                                        </p:tgtEl>
+                                        <p:attrNameLst>
+                                          <p:attrName>ppt_y</p:attrName>
+                                        </p:attrNameLst>
+                                      </p:cBhvr>
+                                      <p:tavLst>
+                                        <p:tav tm="0">
+                                          <p:val>
+                                            <p:strVal val="1+#ppt_h/2"/>
+                                          </p:val>
+                                        </p:tav>
+                                        <p:tav tm="100000">
+                                          <p:val>
+                                            <p:strVal val="#ppt_y"/>
+                                          </p:val>
+                                        </p:tav>
+                                      </p:tavLst>
+                                    </p:anim>
+                                  </p:childTnLst>
+                                </p:cTn>
+                              </p:par>
+                            </p:childTnLst>
+                          </p:cTn>
+                        </p:par>
+                        <p:par>
+                          <p:cTn id="19" fill="hold">
+                            <p:stCondLst>
+                              <p:cond delay="500"/>
+                            </p:stCondLst>
+                            <p:childTnLst>
+                              <p:par>
+                                <p:cTn id="20" presetID="2" presetClass="entr" presetSubtype="4" fill="hold" grpId="0" nodeType="afterEffect">
+                                  <p:stCondLst>
+                                    <p:cond delay="0"/>
+                                  </p:stCondLst>
+                                  <p:childTnLst>
+                                    <p:set>
+                                      <p:cBhvr>
+                                        <p:cTn id="21" dur="1" fill="hold">
+                                          <p:stCondLst>
+                                            <p:cond delay="0"/>
+                                          </p:stCondLst>
+                                        </p:cTn>
+                                        <p:tgtEl>
+                                          <p:spTgt spid="16"/>
+                                        </p:tgtEl>
+                                        <p:attrNameLst>
+                                          <p:attrName>style.visibility</p:attrName>
+                                        </p:attrNameLst>
+                                      </p:cBhvr>
+                                      <p:to>
+                                        <p:strVal val="visible"/>
+                                      </p:to>
+                                    </p:set>
+                                    <p:anim calcmode="lin" valueType="num">
+                                      <p:cBhvr additive="base">
+                                        <p:cTn id="22" dur="500" fill="hold"/>
+                                        <p:tgtEl>
+                                          <p:spTgt spid="16"/>
+                                        </p:tgtEl>
+                                        <p:attrNameLst>
+                                          <p:attrName>ppt_x</p:attrName>
+                                        </p:attrNameLst>
+                                      </p:cBhvr>
+                                      <p:tavLst>
+                                        <p:tav tm="0">
+                                          <p:val>
+                                            <p:strVal val="#ppt_x"/>
+                                          </p:val>
+                                        </p:tav>
+                                        <p:tav tm="100000">
+                                          <p:val>
+                                            <p:strVal val="#ppt_x"/>
+                                          </p:val>
+                                        </p:tav>
+                                      </p:tavLst>
+                                    </p:anim>
+                                    <p:anim calcmode="lin" valueType="num">
+                                      <p:cBhvr additive="base">
+                                        <p:cTn id="23" dur="500" fill="hold"/>
+                                        <p:tgtEl>
+                                          <p:spTgt spid="16"/>
+                                        </p:tgtEl>
+                                        <p:attrNameLst>
+                                          <p:attrName>ppt_y</p:attrName>
+                                        </p:attrNameLst>
+                                      </p:cBhvr>
+                                      <p:tavLst>
+                                        <p:tav tm="0">
+                                          <p:val>
+                                            <p:strVal val="1+#ppt_h/2"/>
+                                          </p:val>
+                                        </p:tav>
+                                        <p:tav tm="100000">
+                                          <p:val>
+                                            <p:strVal val="#ppt_y"/>
+                                          </p:val>
+                                        </p:tav>
+                                      </p:tavLst>
+                                    </p:anim>
+                                  </p:childTnLst>
+                                </p:cTn>
+                              </p:par>
+                            </p:childTnLst>
+                          </p:cTn>
+                        </p:par>
+                      </p:childTnLst>
+                    </p:cTn>
+                  </p:par>
+                </p:childTnLst>
+              </p:cTn>
+              <p:prevCondLst>
+                <p:cond evt="onPrev" delay="0">
+                  <p:tgtEl>
+                    <p:sldTgt/>
+                  </p:tgtEl>
+                </p:cond>
+              </p:prevCondLst>
+              <p:nextCondLst>
+                <p:cond evt="onNext" delay="0">
+                  <p:tgtEl>
+                    <p:sldTgt/>
+                  </p:tgtEl>
+                </p:cond>
+              </p:nextCondLst>
+            </p:seq>
+          </p:childTnLst>
+        </p:cTn>
       </p:par>
     </p:tnLst>
+    <p:bldLst>
+      <p:bldP spid="16" grpId="0"/>
+    </p:bldLst>
   </p:timing>
 </p:sld>
 </file>
@@ -26038,9 +27303,323 @@
   <p:timing>
     <p:tnLst>
       <p:par>
-        <p:cTn id="1" dur="indefinite" restart="never" nodeType="tmRoot"/>
+        <p:cTn id="1" dur="indefinite" restart="never" nodeType="tmRoot">
+          <p:childTnLst>
+            <p:seq concurrent="1" nextAc="seek">
+              <p:cTn id="2" dur="indefinite" nodeType="mainSeq">
+                <p:childTnLst>
+                  <p:par>
+                    <p:cTn id="3" fill="hold">
+                      <p:stCondLst>
+                        <p:cond delay="indefinite"/>
+                      </p:stCondLst>
+                      <p:childTnLst>
+                        <p:par>
+                          <p:cTn id="4" fill="hold">
+                            <p:stCondLst>
+                              <p:cond delay="0"/>
+                            </p:stCondLst>
+                            <p:childTnLst>
+                              <p:par>
+                                <p:cTn id="5" presetID="2" presetClass="entr" presetSubtype="4" fill="hold" nodeType="clickEffect">
+                                  <p:stCondLst>
+                                    <p:cond delay="0"/>
+                                  </p:stCondLst>
+                                  <p:childTnLst>
+                                    <p:set>
+                                      <p:cBhvr>
+                                        <p:cTn id="6" dur="1" fill="hold">
+                                          <p:stCondLst>
+                                            <p:cond delay="0"/>
+                                          </p:stCondLst>
+                                        </p:cTn>
+                                        <p:tgtEl>
+                                          <p:spTgt spid="5122">
+                                            <p:txEl>
+                                              <p:pRg st="0" end="0"/>
+                                            </p:txEl>
+                                          </p:spTgt>
+                                        </p:tgtEl>
+                                        <p:attrNameLst>
+                                          <p:attrName>style.visibility</p:attrName>
+                                        </p:attrNameLst>
+                                      </p:cBhvr>
+                                      <p:to>
+                                        <p:strVal val="visible"/>
+                                      </p:to>
+                                    </p:set>
+                                    <p:anim calcmode="lin" valueType="num">
+                                      <p:cBhvr additive="base">
+                                        <p:cTn id="7" dur="500" fill="hold"/>
+                                        <p:tgtEl>
+                                          <p:spTgt spid="5122">
+                                            <p:txEl>
+                                              <p:pRg st="0" end="0"/>
+                                            </p:txEl>
+                                          </p:spTgt>
+                                        </p:tgtEl>
+                                        <p:attrNameLst>
+                                          <p:attrName>ppt_x</p:attrName>
+                                        </p:attrNameLst>
+                                      </p:cBhvr>
+                                      <p:tavLst>
+                                        <p:tav tm="0">
+                                          <p:val>
+                                            <p:strVal val="#ppt_x"/>
+                                          </p:val>
+                                        </p:tav>
+                                        <p:tav tm="100000">
+                                          <p:val>
+                                            <p:strVal val="#ppt_x"/>
+                                          </p:val>
+                                        </p:tav>
+                                      </p:tavLst>
+                                    </p:anim>
+                                    <p:anim calcmode="lin" valueType="num">
+                                      <p:cBhvr additive="base">
+                                        <p:cTn id="8" dur="500" fill="hold"/>
+                                        <p:tgtEl>
+                                          <p:spTgt spid="5122">
+                                            <p:txEl>
+                                              <p:pRg st="0" end="0"/>
+                                            </p:txEl>
+                                          </p:spTgt>
+                                        </p:tgtEl>
+                                        <p:attrNameLst>
+                                          <p:attrName>ppt_y</p:attrName>
+                                        </p:attrNameLst>
+                                      </p:cBhvr>
+                                      <p:tavLst>
+                                        <p:tav tm="0">
+                                          <p:val>
+                                            <p:strVal val="1+#ppt_h/2"/>
+                                          </p:val>
+                                        </p:tav>
+                                        <p:tav tm="100000">
+                                          <p:val>
+                                            <p:strVal val="#ppt_y"/>
+                                          </p:val>
+                                        </p:tav>
+                                      </p:tavLst>
+                                    </p:anim>
+                                  </p:childTnLst>
+                                </p:cTn>
+                              </p:par>
+                            </p:childTnLst>
+                          </p:cTn>
+                        </p:par>
+                      </p:childTnLst>
+                    </p:cTn>
+                  </p:par>
+                  <p:par>
+                    <p:cTn id="9" fill="hold">
+                      <p:stCondLst>
+                        <p:cond delay="indefinite"/>
+                      </p:stCondLst>
+                      <p:childTnLst>
+                        <p:par>
+                          <p:cTn id="10" fill="hold">
+                            <p:stCondLst>
+                              <p:cond delay="0"/>
+                            </p:stCondLst>
+                            <p:childTnLst>
+                              <p:par>
+                                <p:cTn id="11" presetID="2" presetClass="entr" presetSubtype="4" fill="hold" nodeType="clickEffect">
+                                  <p:stCondLst>
+                                    <p:cond delay="0"/>
+                                  </p:stCondLst>
+                                  <p:childTnLst>
+                                    <p:set>
+                                      <p:cBhvr>
+                                        <p:cTn id="12" dur="1" fill="hold">
+                                          <p:stCondLst>
+                                            <p:cond delay="0"/>
+                                          </p:stCondLst>
+                                        </p:cTn>
+                                        <p:tgtEl>
+                                          <p:spTgt spid="5122">
+                                            <p:txEl>
+                                              <p:pRg st="1" end="1"/>
+                                            </p:txEl>
+                                          </p:spTgt>
+                                        </p:tgtEl>
+                                        <p:attrNameLst>
+                                          <p:attrName>style.visibility</p:attrName>
+                                        </p:attrNameLst>
+                                      </p:cBhvr>
+                                      <p:to>
+                                        <p:strVal val="visible"/>
+                                      </p:to>
+                                    </p:set>
+                                    <p:anim calcmode="lin" valueType="num">
+                                      <p:cBhvr additive="base">
+                                        <p:cTn id="13" dur="500" fill="hold"/>
+                                        <p:tgtEl>
+                                          <p:spTgt spid="5122">
+                                            <p:txEl>
+                                              <p:pRg st="1" end="1"/>
+                                            </p:txEl>
+                                          </p:spTgt>
+                                        </p:tgtEl>
+                                        <p:attrNameLst>
+                                          <p:attrName>ppt_x</p:attrName>
+                                        </p:attrNameLst>
+                                      </p:cBhvr>
+                                      <p:tavLst>
+                                        <p:tav tm="0">
+                                          <p:val>
+                                            <p:strVal val="#ppt_x"/>
+                                          </p:val>
+                                        </p:tav>
+                                        <p:tav tm="100000">
+                                          <p:val>
+                                            <p:strVal val="#ppt_x"/>
+                                          </p:val>
+                                        </p:tav>
+                                      </p:tavLst>
+                                    </p:anim>
+                                    <p:anim calcmode="lin" valueType="num">
+                                      <p:cBhvr additive="base">
+                                        <p:cTn id="14" dur="500" fill="hold"/>
+                                        <p:tgtEl>
+                                          <p:spTgt spid="5122">
+                                            <p:txEl>
+                                              <p:pRg st="1" end="1"/>
+                                            </p:txEl>
+                                          </p:spTgt>
+                                        </p:tgtEl>
+                                        <p:attrNameLst>
+                                          <p:attrName>ppt_y</p:attrName>
+                                        </p:attrNameLst>
+                                      </p:cBhvr>
+                                      <p:tavLst>
+                                        <p:tav tm="0">
+                                          <p:val>
+                                            <p:strVal val="1+#ppt_h/2"/>
+                                          </p:val>
+                                        </p:tav>
+                                        <p:tav tm="100000">
+                                          <p:val>
+                                            <p:strVal val="#ppt_y"/>
+                                          </p:val>
+                                        </p:tav>
+                                      </p:tavLst>
+                                    </p:anim>
+                                  </p:childTnLst>
+                                </p:cTn>
+                              </p:par>
+                            </p:childTnLst>
+                          </p:cTn>
+                        </p:par>
+                        <p:par>
+                          <p:cTn id="15" fill="hold">
+                            <p:stCondLst>
+                              <p:cond delay="500"/>
+                            </p:stCondLst>
+                            <p:childTnLst>
+                              <p:par>
+                                <p:cTn id="16" presetID="2" presetClass="entr" presetSubtype="4" fill="hold" grpId="0" nodeType="afterEffect">
+                                  <p:stCondLst>
+                                    <p:cond delay="0"/>
+                                  </p:stCondLst>
+                                  <p:childTnLst>
+                                    <p:set>
+                                      <p:cBhvr>
+                                        <p:cTn id="17" dur="1" fill="hold">
+                                          <p:stCondLst>
+                                            <p:cond delay="0"/>
+                                          </p:stCondLst>
+                                        </p:cTn>
+                                        <p:tgtEl>
+                                          <p:spTgt spid="16"/>
+                                        </p:tgtEl>
+                                        <p:attrNameLst>
+                                          <p:attrName>style.visibility</p:attrName>
+                                        </p:attrNameLst>
+                                      </p:cBhvr>
+                                      <p:to>
+                                        <p:strVal val="visible"/>
+                                      </p:to>
+                                    </p:set>
+                                    <p:anim calcmode="lin" valueType="num">
+                                      <p:cBhvr additive="base">
+                                        <p:cTn id="18" dur="500" fill="hold"/>
+                                        <p:tgtEl>
+                                          <p:spTgt spid="16"/>
+                                        </p:tgtEl>
+                                        <p:attrNameLst>
+                                          <p:attrName>ppt_x</p:attrName>
+                                        </p:attrNameLst>
+                                      </p:cBhvr>
+                                      <p:tavLst>
+                                        <p:tav tm="0">
+                                          <p:val>
+                                            <p:strVal val="#ppt_x"/>
+                                          </p:val>
+                                        </p:tav>
+                                        <p:tav tm="100000">
+                                          <p:val>
+                                            <p:strVal val="#ppt_x"/>
+                                          </p:val>
+                                        </p:tav>
+                                      </p:tavLst>
+                                    </p:anim>
+                                    <p:anim calcmode="lin" valueType="num">
+                                      <p:cBhvr additive="base">
+                                        <p:cTn id="19" dur="500" fill="hold"/>
+                                        <p:tgtEl>
+                                          <p:spTgt spid="16"/>
+                                        </p:tgtEl>
+                                        <p:attrNameLst>
+                                          <p:attrName>ppt_y</p:attrName>
+                                        </p:attrNameLst>
+                                      </p:cBhvr>
+                                      <p:tavLst>
+                                        <p:tav tm="0">
+                                          <p:val>
+                                            <p:strVal val="1+#ppt_h/2"/>
+                                          </p:val>
+                                        </p:tav>
+                                        <p:tav tm="100000">
+                                          <p:val>
+                                            <p:strVal val="#ppt_y"/>
+                                          </p:val>
+                                        </p:tav>
+                                      </p:tavLst>
+                                    </p:anim>
+                                  </p:childTnLst>
+                                </p:cTn>
+                              </p:par>
+                            </p:childTnLst>
+                          </p:cTn>
+                        </p:par>
+                      </p:childTnLst>
+                    </p:cTn>
+                  </p:par>
+                </p:childTnLst>
+              </p:cTn>
+              <p:prevCondLst>
+                <p:cond evt="onPrev" delay="0">
+                  <p:tgtEl>
+                    <p:sldTgt/>
+                  </p:tgtEl>
+                </p:cond>
+              </p:prevCondLst>
+              <p:nextCondLst>
+                <p:cond evt="onNext" delay="0">
+                  <p:tgtEl>
+                    <p:sldTgt/>
+                  </p:tgtEl>
+                </p:cond>
+              </p:nextCondLst>
+            </p:seq>
+          </p:childTnLst>
+        </p:cTn>
       </p:par>
     </p:tnLst>
+    <p:bldLst>
+      <p:bldP spid="16" grpId="0"/>
+    </p:bldLst>
   </p:timing>
 </p:sld>
 </file>
@@ -27806,7 +29385,30 @@
                   <a:srgbClr val="000000"/>
                 </a:solidFill>
               </a:rPr>
-              <a:t>完成剪切区内的绘制后进行状态恢复（</a:t>
+              <a:t>存储后，再绘制的图形将限定在裁剪区域内</a:t>
+            </a:r>
+            <a:br>
+              <a:rPr lang="zh-CN" altLang="en-US" sz="2000" kern="1200" dirty="0" smtClean="0">
+                <a:solidFill>
+                  <a:srgbClr val="000000"/>
+                </a:solidFill>
+              </a:rPr>
+            </a:br>
+            <a:r>
+              <a:rPr lang="en-US" altLang="zh-CN" sz="2000" kern="1200" dirty="0" smtClean="0">
+                <a:solidFill>
+                  <a:srgbClr val="000000"/>
+                </a:solidFill>
+              </a:rPr>
+              <a:t>- </a:t>
+            </a:r>
+            <a:r>
+              <a:rPr lang="zh-CN" altLang="en-US" sz="2000" kern="1200" dirty="0" smtClean="0">
+                <a:solidFill>
+                  <a:srgbClr val="000000"/>
+                </a:solidFill>
+              </a:rPr>
+              <a:t>完成剪切区内的绘制后可进行状态恢复（</a:t>
             </a:r>
             <a:r>
               <a:rPr lang="en-US" altLang="zh-CN" sz="2000" kern="1200" dirty="0" smtClean="0">
@@ -28005,7 +29607,7 @@
         </p:blipFill>
         <p:spPr>
           <a:xfrm>
-            <a:off x="6742430" y="3460750"/>
+            <a:off x="6957695" y="3460750"/>
             <a:ext cx="4030345" cy="2251710"/>
           </a:xfrm>
           <a:prstGeom prst="rect">
@@ -28033,7 +29635,7 @@
         </p:blipFill>
         <p:spPr>
           <a:xfrm>
-            <a:off x="6835775" y="969010"/>
+            <a:off x="7051040" y="969010"/>
             <a:ext cx="3796665" cy="2416175"/>
           </a:xfrm>
           <a:prstGeom prst="rect">
@@ -28642,7 +30244,7 @@
             <a:r>
               <a:rPr lang="en-US" altLang="zh-CN" sz="2000" kern="1200" dirty="0" err="1" smtClean="0">
                 <a:solidFill>
-                  <a:srgbClr val="565656"/>
+                  <a:schemeClr val="tx1"/>
                 </a:solidFill>
                 <a:sym typeface="+mn-ea"/>
               </a:rPr>
@@ -28651,7 +30253,7 @@
             <a:r>
               <a:rPr lang="en-US" altLang="zh-CN" sz="2000" kern="1200" dirty="0" err="1" smtClean="0">
                 <a:solidFill>
-                  <a:srgbClr val="565656"/>
+                  <a:schemeClr val="tx1"/>
                 </a:solidFill>
               </a:rPr>
               <a:t>context.isPointInPath</a:t>
@@ -28659,7 +30261,7 @@
             <a:r>
               <a:rPr lang="en-US" altLang="zh-CN" sz="2000" kern="1200" dirty="0">
                 <a:solidFill>
-                  <a:srgbClr val="565656"/>
+                  <a:schemeClr val="tx1"/>
                 </a:solidFill>
               </a:rPr>
               <a:t>( x , y </a:t>
@@ -28667,25 +30269,72 @@
             <a:r>
               <a:rPr lang="en-US" altLang="zh-CN" sz="2000" kern="1200" dirty="0" smtClean="0">
                 <a:solidFill>
-                  <a:srgbClr val="565656"/>
+                  <a:schemeClr val="tx1"/>
                 </a:solidFill>
               </a:rPr>
               <a:t>) ; </a:t>
+            </a:r>
+            <a:br>
+              <a:rPr lang="en-US" altLang="zh-CN" sz="2000" kern="1200" dirty="0" smtClean="0">
+                <a:solidFill>
+                  <a:schemeClr val="tx1"/>
+                </a:solidFill>
+              </a:rPr>
+            </a:br>
+            <a:r>
+              <a:rPr lang="en-US" altLang="zh-CN" sz="2000" kern="1200" dirty="0" smtClean="0">
+                <a:solidFill>
+                  <a:schemeClr val="tx1"/>
+                </a:solidFill>
+              </a:rPr>
+              <a:t>- </a:t>
+            </a:r>
+            <a:r>
+              <a:rPr lang="en-US" altLang="zh-CN" sz="2000" kern="1200" dirty="0">
+                <a:solidFill>
+                  <a:schemeClr val="tx1"/>
+                </a:solidFill>
+                <a:sym typeface="+mn-ea"/>
+              </a:rPr>
+              <a:t>context.</a:t>
+            </a:r>
+            <a:r>
+              <a:rPr lang="en-US" altLang="zh-CN" sz="2000" kern="1200" dirty="0" smtClean="0">
+                <a:solidFill>
+                  <a:schemeClr val="tx1"/>
+                </a:solidFill>
+              </a:rPr>
+              <a:t>isPointInPath(path, x, y);</a:t>
             </a:r>
             <a:br>
               <a:rPr lang="zh-CN" altLang="zh-CN" sz="2000" kern="1200" dirty="0">
                 <a:solidFill>
-                  <a:srgbClr val="000000"/>
+                  <a:schemeClr val="tx1"/>
                 </a:solidFill>
               </a:rPr>
             </a:br>
             <a:r>
               <a:rPr lang="en-US" altLang="zh-CN" sz="2000" kern="1200" dirty="0">
                 <a:solidFill>
-                  <a:srgbClr val="000000"/>
+                  <a:schemeClr val="tx1"/>
                 </a:solidFill>
               </a:rPr>
               <a:t>- context.isPointInStroke( x , y ) ;</a:t>
+            </a:r>
+            <a:br>
+              <a:rPr lang="en-US" altLang="zh-CN" sz="2000" kern="1200" dirty="0">
+                <a:solidFill>
+                  <a:schemeClr val="tx1"/>
+                </a:solidFill>
+              </a:rPr>
+            </a:br>
+            <a:r>
+              <a:rPr lang="en-US" altLang="zh-CN" sz="2000" kern="1200" dirty="0">
+                <a:solidFill>
+                  <a:schemeClr val="tx1"/>
+                </a:solidFill>
+              </a:rPr>
+              <a:t>- contextisPointInStroke(path, x, y);</a:t>
             </a:r>
             <a:br>
               <a:rPr lang="zh-CN" altLang="zh-CN" sz="2000" kern="1200" dirty="0">
